--- a/8. Frame-Relay/Packet Tracer - Frame-Relay.pptx
+++ b/8. Frame-Relay/Packet Tracer - Frame-Relay.pptx
@@ -8,22 +8,25 @@
     <p:sldId id="256" r:id="rId2"/>
     <p:sldId id="257" r:id="rId3"/>
     <p:sldId id="258" r:id="rId4"/>
-    <p:sldId id="261" r:id="rId5"/>
-    <p:sldId id="260" r:id="rId6"/>
-    <p:sldId id="268" r:id="rId7"/>
-    <p:sldId id="269" r:id="rId8"/>
-    <p:sldId id="274" r:id="rId9"/>
-    <p:sldId id="267" r:id="rId10"/>
-    <p:sldId id="275" r:id="rId11"/>
-    <p:sldId id="276" r:id="rId12"/>
-    <p:sldId id="277" r:id="rId13"/>
-    <p:sldId id="259" r:id="rId14"/>
-    <p:sldId id="262" r:id="rId15"/>
-    <p:sldId id="264" r:id="rId16"/>
-    <p:sldId id="273" r:id="rId17"/>
-    <p:sldId id="270" r:id="rId18"/>
-    <p:sldId id="272" r:id="rId19"/>
+    <p:sldId id="260" r:id="rId5"/>
+    <p:sldId id="268" r:id="rId6"/>
+    <p:sldId id="269" r:id="rId7"/>
+    <p:sldId id="274" r:id="rId8"/>
+    <p:sldId id="267" r:id="rId9"/>
+    <p:sldId id="275" r:id="rId10"/>
+    <p:sldId id="276" r:id="rId11"/>
+    <p:sldId id="277" r:id="rId12"/>
+    <p:sldId id="259" r:id="rId13"/>
+    <p:sldId id="262" r:id="rId14"/>
+    <p:sldId id="264" r:id="rId15"/>
+    <p:sldId id="278" r:id="rId16"/>
+    <p:sldId id="279" r:id="rId17"/>
+    <p:sldId id="273" r:id="rId18"/>
+    <p:sldId id="270" r:id="rId19"/>
     <p:sldId id="266" r:id="rId20"/>
+    <p:sldId id="280" r:id="rId21"/>
+    <p:sldId id="281" r:id="rId22"/>
+    <p:sldId id="272" r:id="rId23"/>
   </p:sldIdLst>
   <p:sldSz cx="12192000" cy="6858000"/>
   <p:notesSz cx="6858000" cy="9144000"/>
@@ -122,6 +125,11 @@
       </a:defRPr>
     </a:lvl9pPr>
   </p:defaultTextStyle>
+  <p:extLst>
+    <p:ext uri="{EFAFB233-063F-42B5-8137-9DF3F51BA10A}">
+      <p15:sldGuideLst xmlns:p15="http://schemas.microsoft.com/office/powerpoint/2012/main"/>
+    </p:ext>
+  </p:extLst>
 </p:presentation>
 </file>
 
@@ -3568,7 +3576,7 @@
                   <a:schemeClr val="bg1"/>
                 </a:solidFill>
               </a:rPr>
-              <a:t>(Serial 1)</a:t>
+              <a:t>(Serial 2)</a:t>
             </a:r>
             <a:endParaRPr lang="ko-KR" altLang="en-US" sz="2500" b="1" dirty="0">
               <a:solidFill>
@@ -3583,7 +3591,7 @@
           <p:cNvPr id="6" name="그림 5">
             <a:extLst>
               <a:ext uri="{FF2B5EF4-FFF2-40B4-BE49-F238E27FC236}">
-                <a16:creationId xmlns:a16="http://schemas.microsoft.com/office/drawing/2014/main" id="{9EEA0717-DA91-C06E-6693-E047D812A6FE}"/>
+                <a16:creationId xmlns:a16="http://schemas.microsoft.com/office/drawing/2014/main" id="{465351FA-35C3-B065-E69E-3B726B6C9917}"/>
               </a:ext>
             </a:extLst>
           </p:cNvPr>
@@ -3600,8 +3608,8 @@
         </p:blipFill>
         <p:spPr>
           <a:xfrm>
-            <a:off x="2352817" y="2383244"/>
-            <a:ext cx="8233903" cy="3219271"/>
+            <a:off x="2454333" y="2500488"/>
+            <a:ext cx="7780740" cy="3141937"/>
           </a:xfrm>
           <a:prstGeom prst="rect">
             <a:avLst/>
@@ -3663,7 +3671,7 @@
     </p:spTree>
     <p:extLst>
       <p:ext uri="{BB962C8B-B14F-4D97-AF65-F5344CB8AC3E}">
-        <p14:creationId xmlns:p14="http://schemas.microsoft.com/office/powerpoint/2010/main" val="3061773381"/>
+        <p14:creationId xmlns:p14="http://schemas.microsoft.com/office/powerpoint/2010/main" val="41494063"/>
       </p:ext>
     </p:extLst>
   </p:cSld>
@@ -3754,13 +3762,13 @@
         </p:nvSpPr>
         <p:spPr>
           <a:xfrm>
-            <a:off x="2454332" y="1747768"/>
+            <a:off x="2454331" y="1788408"/>
             <a:ext cx="7283335" cy="487432"/>
           </a:xfrm>
         </p:spPr>
         <p:txBody>
           <a:bodyPr>
-            <a:normAutofit/>
+            <a:normAutofit fontScale="92500"/>
           </a:bodyPr>
           <a:lstStyle/>
           <a:p>
@@ -3781,22 +3789,41 @@
                   <a:schemeClr val="bg1"/>
                 </a:solidFill>
               </a:rPr>
-              <a:t>(Serial 2)</a:t>
-            </a:r>
-            <a:endParaRPr lang="ko-KR" altLang="en-US" sz="2500" b="1" dirty="0">
-              <a:solidFill>
-                <a:schemeClr val="bg1"/>
-              </a:solidFill>
-            </a:endParaRPr>
+              <a:t>(Frame Relay) , </a:t>
+            </a:r>
+            <a:r>
+              <a:rPr lang="ko-KR" altLang="en-US" sz="2500" b="1" dirty="0">
+                <a:solidFill>
+                  <a:schemeClr val="bg1"/>
+                </a:solidFill>
+              </a:rPr>
+              <a:t>생성한 </a:t>
+            </a:r>
+            <a:r>
+              <a:rPr lang="en-US" altLang="ko-KR" sz="2500" b="1" dirty="0">
+                <a:solidFill>
+                  <a:schemeClr val="bg1"/>
+                </a:solidFill>
+              </a:rPr>
+              <a:t>DLCI</a:t>
+            </a:r>
+            <a:r>
+              <a:rPr lang="ko-KR" altLang="en-US" sz="2500" b="1" dirty="0">
+                <a:solidFill>
+                  <a:schemeClr val="bg1"/>
+                </a:solidFill>
+              </a:rPr>
+              <a:t>를 맞춰주는 작업 </a:t>
+            </a:r>
           </a:p>
         </p:txBody>
       </p:sp>
       <p:pic>
         <p:nvPicPr>
-          <p:cNvPr id="6" name="그림 5">
-            <a:extLst>
-              <a:ext uri="{FF2B5EF4-FFF2-40B4-BE49-F238E27FC236}">
-                <a16:creationId xmlns:a16="http://schemas.microsoft.com/office/drawing/2014/main" id="{465351FA-35C3-B065-E69E-3B726B6C9917}"/>
+          <p:cNvPr id="4" name="그림 3">
+            <a:extLst>
+              <a:ext uri="{FF2B5EF4-FFF2-40B4-BE49-F238E27FC236}">
+                <a16:creationId xmlns:a16="http://schemas.microsoft.com/office/drawing/2014/main" id="{8086DBF5-CBFC-165F-73FD-6AC6B376B1F7}"/>
               </a:ext>
             </a:extLst>
           </p:cNvPr>
@@ -3813,70 +3840,18 @@
         </p:blipFill>
         <p:spPr>
           <a:xfrm>
-            <a:off x="2454333" y="2500488"/>
-            <a:ext cx="7780740" cy="3141937"/>
+            <a:off x="2122779" y="2604296"/>
+            <a:ext cx="7946442" cy="3503590"/>
           </a:xfrm>
           <a:prstGeom prst="rect">
             <a:avLst/>
           </a:prstGeom>
         </p:spPr>
       </p:pic>
-      <p:sp>
-        <p:nvSpPr>
-          <p:cNvPr id="5" name="직사각형 4">
-            <a:extLst>
-              <a:ext uri="{FF2B5EF4-FFF2-40B4-BE49-F238E27FC236}">
-                <a16:creationId xmlns:a16="http://schemas.microsoft.com/office/drawing/2014/main" id="{FF6CA154-F32A-1788-EB98-9AB7DAD088DA}"/>
-              </a:ext>
-            </a:extLst>
-          </p:cNvPr>
-          <p:cNvSpPr/>
-          <p:nvPr/>
-        </p:nvSpPr>
-        <p:spPr>
-          <a:xfrm>
-            <a:off x="2454332" y="3992880"/>
-            <a:ext cx="7780741" cy="345440"/>
-          </a:xfrm>
-          <a:prstGeom prst="rect">
-            <a:avLst/>
-          </a:prstGeom>
-          <a:noFill/>
-          <a:ln w="57150">
-            <a:solidFill>
-              <a:srgbClr val="C00000"/>
-            </a:solidFill>
-          </a:ln>
-        </p:spPr>
-        <p:style>
-          <a:lnRef idx="2">
-            <a:schemeClr val="accent1">
-              <a:shade val="15000"/>
-            </a:schemeClr>
-          </a:lnRef>
-          <a:fillRef idx="1">
-            <a:schemeClr val="accent1"/>
-          </a:fillRef>
-          <a:effectRef idx="0">
-            <a:schemeClr val="accent1"/>
-          </a:effectRef>
-          <a:fontRef idx="minor">
-            <a:schemeClr val="lt1"/>
-          </a:fontRef>
-        </p:style>
-        <p:txBody>
-          <a:bodyPr rtlCol="0" anchor="ctr"/>
-          <a:lstStyle/>
-          <a:p>
-            <a:pPr algn="ctr"/>
-            <a:endParaRPr lang="ko-KR" altLang="en-US"/>
-          </a:p>
-        </p:txBody>
-      </p:sp>
     </p:spTree>
     <p:extLst>
       <p:ext uri="{BB962C8B-B14F-4D97-AF65-F5344CB8AC3E}">
-        <p14:creationId xmlns:p14="http://schemas.microsoft.com/office/powerpoint/2010/main" val="41494063"/>
+        <p14:creationId xmlns:p14="http://schemas.microsoft.com/office/powerpoint/2010/main" val="3378221082"/>
       </p:ext>
     </p:extLst>
   </p:cSld>
@@ -3939,7 +3914,7 @@
                   <a:schemeClr val="bg1"/>
                 </a:solidFill>
               </a:rPr>
-              <a:t>Frame Relay</a:t>
+              <a:t>Point to Point , Multipoint</a:t>
             </a:r>
             <a:endParaRPr lang="ko-KR" altLang="en-US" b="1" dirty="0">
               <a:solidFill>
@@ -3967,13 +3942,13 @@
         </p:nvSpPr>
         <p:spPr>
           <a:xfrm>
-            <a:off x="2454331" y="1788408"/>
-            <a:ext cx="7283335" cy="487432"/>
+            <a:off x="1307431" y="1690688"/>
+            <a:ext cx="9713495" cy="891158"/>
           </a:xfrm>
         </p:spPr>
         <p:txBody>
           <a:bodyPr>
-            <a:normAutofit fontScale="92500"/>
+            <a:normAutofit/>
           </a:bodyPr>
           <a:lstStyle/>
           <a:p>
@@ -3981,54 +3956,88 @@
               <a:buNone/>
             </a:pPr>
             <a:r>
-              <a:rPr lang="ko-KR" altLang="en-US" sz="2500" b="1" dirty="0">
-                <a:solidFill>
-                  <a:schemeClr val="bg1"/>
-                </a:solidFill>
-              </a:rPr>
-              <a:t>세팅</a:t>
-            </a:r>
-            <a:r>
-              <a:rPr lang="en-US" altLang="ko-KR" sz="2500" b="1" dirty="0">
-                <a:solidFill>
-                  <a:schemeClr val="bg1"/>
-                </a:solidFill>
-              </a:rPr>
-              <a:t>(Frame Relay) , </a:t>
-            </a:r>
-            <a:r>
-              <a:rPr lang="ko-KR" altLang="en-US" sz="2500" b="1" dirty="0">
-                <a:solidFill>
-                  <a:schemeClr val="bg1"/>
-                </a:solidFill>
-              </a:rPr>
-              <a:t>생성한 </a:t>
-            </a:r>
-            <a:r>
-              <a:rPr lang="en-US" altLang="ko-KR" sz="2500" b="1" dirty="0">
-                <a:solidFill>
-                  <a:schemeClr val="bg1"/>
-                </a:solidFill>
-              </a:rPr>
-              <a:t>DLCI</a:t>
-            </a:r>
-            <a:r>
-              <a:rPr lang="ko-KR" altLang="en-US" sz="2500" b="1" dirty="0">
-                <a:solidFill>
-                  <a:schemeClr val="bg1"/>
-                </a:solidFill>
-              </a:rPr>
-              <a:t>를 맞춰주는 작업 </a:t>
+              <a:rPr lang="en-US" altLang="ko-KR" sz="2000" b="1" dirty="0">
+                <a:solidFill>
+                  <a:schemeClr val="bg1"/>
+                </a:solidFill>
+              </a:rPr>
+              <a:t>Point to point : </a:t>
+            </a:r>
+            <a:r>
+              <a:rPr lang="ko-KR" altLang="en-US" sz="2000" b="1" dirty="0">
+                <a:solidFill>
+                  <a:schemeClr val="bg1"/>
+                </a:solidFill>
+              </a:rPr>
+              <a:t>각 서브 인터페이스에 </a:t>
+            </a:r>
+            <a:r>
+              <a:rPr lang="en-US" altLang="ko-KR" sz="2000" b="1" dirty="0">
+                <a:solidFill>
+                  <a:schemeClr val="bg1"/>
+                </a:solidFill>
+              </a:rPr>
+              <a:t>PVC</a:t>
+            </a:r>
+            <a:r>
+              <a:rPr lang="ko-KR" altLang="en-US" sz="2000" b="1" dirty="0">
+                <a:solidFill>
+                  <a:schemeClr val="bg1"/>
+                </a:solidFill>
+              </a:rPr>
+              <a:t>를 다른 인터페이스에 연결하는 방식</a:t>
+            </a:r>
+            <a:endParaRPr lang="en-US" altLang="ko-KR" sz="2000" b="1" dirty="0">
+              <a:solidFill>
+                <a:schemeClr val="bg1"/>
+              </a:solidFill>
+            </a:endParaRPr>
+          </a:p>
+          <a:p>
+            <a:pPr marL="0" indent="0" algn="ctr">
+              <a:buNone/>
+            </a:pPr>
+            <a:r>
+              <a:rPr lang="en-US" altLang="ko-KR" sz="2000" b="1" dirty="0">
+                <a:solidFill>
+                  <a:schemeClr val="bg1"/>
+                </a:solidFill>
+              </a:rPr>
+              <a:t>Multipoint </a:t>
+            </a:r>
+            <a:r>
+              <a:rPr lang="en-US" altLang="ko-KR" sz="2000" dirty="0">
+                <a:solidFill>
+                  <a:schemeClr val="bg1"/>
+                </a:solidFill>
+              </a:rPr>
+              <a:t> </a:t>
+            </a:r>
+            <a:r>
+              <a:rPr lang="en-US" altLang="ko-KR" sz="2000" b="1" dirty="0">
+                <a:solidFill>
+                  <a:schemeClr val="bg1"/>
+                </a:solidFill>
+              </a:rPr>
+              <a:t>:</a:t>
+            </a:r>
+            <a:r>
+              <a:rPr lang="ko-KR" altLang="en-US" sz="2000" b="1" dirty="0">
+                <a:solidFill>
+                  <a:schemeClr val="bg1"/>
+                </a:solidFill>
+              </a:rPr>
+              <a:t> 단일 서브 인터페이스를 사용하여 연결하는 방식</a:t>
             </a:r>
           </a:p>
         </p:txBody>
       </p:sp>
       <p:pic>
         <p:nvPicPr>
-          <p:cNvPr id="4" name="그림 3">
-            <a:extLst>
-              <a:ext uri="{FF2B5EF4-FFF2-40B4-BE49-F238E27FC236}">
-                <a16:creationId xmlns:a16="http://schemas.microsoft.com/office/drawing/2014/main" id="{8086DBF5-CBFC-165F-73FD-6AC6B376B1F7}"/>
+          <p:cNvPr id="3" name="그림 2">
+            <a:extLst>
+              <a:ext uri="{FF2B5EF4-FFF2-40B4-BE49-F238E27FC236}">
+                <a16:creationId xmlns:a16="http://schemas.microsoft.com/office/drawing/2014/main" id="{F62C3B49-FB09-BAD2-4149-239F6A54DB5D}"/>
               </a:ext>
             </a:extLst>
           </p:cNvPr>
@@ -4045,8 +4054,38 @@
         </p:blipFill>
         <p:spPr>
           <a:xfrm>
-            <a:off x="2122779" y="2604296"/>
-            <a:ext cx="7946442" cy="3503590"/>
+            <a:off x="1684422" y="2960103"/>
+            <a:ext cx="4110602" cy="3301024"/>
+          </a:xfrm>
+          <a:prstGeom prst="rect">
+            <a:avLst/>
+          </a:prstGeom>
+        </p:spPr>
+      </p:pic>
+      <p:pic>
+        <p:nvPicPr>
+          <p:cNvPr id="5" name="그림 4">
+            <a:extLst>
+              <a:ext uri="{FF2B5EF4-FFF2-40B4-BE49-F238E27FC236}">
+                <a16:creationId xmlns:a16="http://schemas.microsoft.com/office/drawing/2014/main" id="{5031B302-0E2A-3F5C-5BCC-F4335D195DE2}"/>
+              </a:ext>
+            </a:extLst>
+          </p:cNvPr>
+          <p:cNvPicPr>
+            <a:picLocks noChangeAspect="1"/>
+          </p:cNvPicPr>
+          <p:nvPr/>
+        </p:nvPicPr>
+        <p:blipFill>
+          <a:blip r:embed="rId3"/>
+          <a:stretch>
+            <a:fillRect/>
+          </a:stretch>
+        </p:blipFill>
+        <p:spPr>
+          <a:xfrm>
+            <a:off x="6396978" y="2960103"/>
+            <a:ext cx="4161573" cy="3301024"/>
           </a:xfrm>
           <a:prstGeom prst="rect">
             <a:avLst/>
@@ -4056,7 +4095,7 @@
     </p:spTree>
     <p:extLst>
       <p:ext uri="{BB962C8B-B14F-4D97-AF65-F5344CB8AC3E}">
-        <p14:creationId xmlns:p14="http://schemas.microsoft.com/office/powerpoint/2010/main" val="3378221082"/>
+        <p14:creationId xmlns:p14="http://schemas.microsoft.com/office/powerpoint/2010/main" val="3263646040"/>
       </p:ext>
     </p:extLst>
   </p:cSld>
@@ -4119,7 +4158,7 @@
                   <a:schemeClr val="bg1"/>
                 </a:solidFill>
               </a:rPr>
-              <a:t>Point to Point , Multipoint</a:t>
+              <a:t>Frame Relay(Point to Point)</a:t>
             </a:r>
             <a:endParaRPr lang="ko-KR" altLang="en-US" b="1" dirty="0">
               <a:solidFill>
@@ -4148,7 +4187,7 @@
         <p:spPr>
           <a:xfrm>
             <a:off x="2454332" y="1747768"/>
-            <a:ext cx="7283335" cy="651569"/>
+            <a:ext cx="7283335" cy="487432"/>
           </a:xfrm>
         </p:spPr>
         <p:txBody>
@@ -4161,25 +4200,50 @@
               <a:buNone/>
             </a:pPr>
             <a:r>
-              <a:rPr lang="en-US" altLang="ko-KR" sz="1500" b="1" dirty="0" err="1">
-                <a:solidFill>
-                  <a:schemeClr val="bg1"/>
-                </a:solidFill>
-              </a:rPr>
-              <a:t>asdasdasd</a:t>
-            </a:r>
-            <a:endParaRPr lang="ko-KR" altLang="en-US" sz="1500" b="1" dirty="0">
-              <a:solidFill>
-                <a:schemeClr val="bg1"/>
-              </a:solidFill>
-            </a:endParaRPr>
-          </a:p>
-        </p:txBody>
-      </p:sp>
+              <a:rPr lang="ko-KR" altLang="en-US" sz="2500" b="1" dirty="0">
+                <a:solidFill>
+                  <a:schemeClr val="bg1"/>
+                </a:solidFill>
+              </a:rPr>
+              <a:t>토폴로지</a:t>
+            </a:r>
+          </a:p>
+        </p:txBody>
+      </p:sp>
+      <p:pic>
+        <p:nvPicPr>
+          <p:cNvPr id="6" name="그림 5">
+            <a:extLst>
+              <a:ext uri="{FF2B5EF4-FFF2-40B4-BE49-F238E27FC236}">
+                <a16:creationId xmlns:a16="http://schemas.microsoft.com/office/drawing/2014/main" id="{B39BE243-DD60-4008-55D8-E808FA50FE75}"/>
+              </a:ext>
+            </a:extLst>
+          </p:cNvPr>
+          <p:cNvPicPr>
+            <a:picLocks noChangeAspect="1"/>
+          </p:cNvPicPr>
+          <p:nvPr/>
+        </p:nvPicPr>
+        <p:blipFill>
+          <a:blip r:embed="rId2"/>
+          <a:stretch>
+            <a:fillRect/>
+          </a:stretch>
+        </p:blipFill>
+        <p:spPr>
+          <a:xfrm>
+            <a:off x="3373039" y="2292280"/>
+            <a:ext cx="5445921" cy="4373354"/>
+          </a:xfrm>
+          <a:prstGeom prst="rect">
+            <a:avLst/>
+          </a:prstGeom>
+        </p:spPr>
+      </p:pic>
     </p:spTree>
     <p:extLst>
       <p:ext uri="{BB962C8B-B14F-4D97-AF65-F5344CB8AC3E}">
-        <p14:creationId xmlns:p14="http://schemas.microsoft.com/office/powerpoint/2010/main" val="3263646040"/>
+        <p14:creationId xmlns:p14="http://schemas.microsoft.com/office/powerpoint/2010/main" val="1412827051"/>
       </p:ext>
     </p:extLst>
   </p:cSld>
@@ -4284,22 +4348,30 @@
               <a:buNone/>
             </a:pPr>
             <a:r>
+              <a:rPr lang="en-US" altLang="ko-KR" sz="2500" b="1" dirty="0">
+                <a:solidFill>
+                  <a:schemeClr val="bg1"/>
+                </a:solidFill>
+              </a:rPr>
+              <a:t>Point to Point </a:t>
+            </a:r>
+            <a:r>
               <a:rPr lang="ko-KR" altLang="en-US" sz="2500" b="1" dirty="0">
                 <a:solidFill>
                   <a:schemeClr val="bg1"/>
                 </a:solidFill>
               </a:rPr>
-              <a:t>토폴로지</a:t>
+              <a:t>명령어</a:t>
             </a:r>
           </a:p>
         </p:txBody>
       </p:sp>
       <p:pic>
         <p:nvPicPr>
-          <p:cNvPr id="6" name="그림 5">
-            <a:extLst>
-              <a:ext uri="{FF2B5EF4-FFF2-40B4-BE49-F238E27FC236}">
-                <a16:creationId xmlns:a16="http://schemas.microsoft.com/office/drawing/2014/main" id="{B39BE243-DD60-4008-55D8-E808FA50FE75}"/>
+          <p:cNvPr id="4" name="그림 3">
+            <a:extLst>
+              <a:ext uri="{FF2B5EF4-FFF2-40B4-BE49-F238E27FC236}">
+                <a16:creationId xmlns:a16="http://schemas.microsoft.com/office/drawing/2014/main" id="{158D96CC-BD8B-0B5F-E154-09A06ADEB3EB}"/>
               </a:ext>
             </a:extLst>
           </p:cNvPr>
@@ -4316,8 +4388,38 @@
         </p:blipFill>
         <p:spPr>
           <a:xfrm>
-            <a:off x="3373039" y="2292280"/>
-            <a:ext cx="5445921" cy="4373354"/>
+            <a:off x="1402609" y="2914991"/>
+            <a:ext cx="3193453" cy="2629029"/>
+          </a:xfrm>
+          <a:prstGeom prst="rect">
+            <a:avLst/>
+          </a:prstGeom>
+        </p:spPr>
+      </p:pic>
+      <p:pic>
+        <p:nvPicPr>
+          <p:cNvPr id="19" name="그림 18">
+            <a:extLst>
+              <a:ext uri="{FF2B5EF4-FFF2-40B4-BE49-F238E27FC236}">
+                <a16:creationId xmlns:a16="http://schemas.microsoft.com/office/drawing/2014/main" id="{AC8B806C-C4A1-0D8D-690F-079235101341}"/>
+              </a:ext>
+            </a:extLst>
+          </p:cNvPr>
+          <p:cNvPicPr>
+            <a:picLocks noChangeAspect="1"/>
+          </p:cNvPicPr>
+          <p:nvPr/>
+        </p:nvPicPr>
+        <p:blipFill>
+          <a:blip r:embed="rId3"/>
+          <a:stretch>
+            <a:fillRect/>
+          </a:stretch>
+        </p:blipFill>
+        <p:spPr>
+          <a:xfrm>
+            <a:off x="4975311" y="2292280"/>
+            <a:ext cx="6843937" cy="3943009"/>
           </a:xfrm>
           <a:prstGeom prst="rect">
             <a:avLst/>
@@ -4327,7 +4429,7 @@
     </p:spTree>
     <p:extLst>
       <p:ext uri="{BB962C8B-B14F-4D97-AF65-F5344CB8AC3E}">
-        <p14:creationId xmlns:p14="http://schemas.microsoft.com/office/powerpoint/2010/main" val="1412827051"/>
+        <p14:creationId xmlns:p14="http://schemas.microsoft.com/office/powerpoint/2010/main" val="2852683463"/>
       </p:ext>
     </p:extLst>
   </p:cSld>
@@ -4450,10 +4552,70 @@
           </a:p>
         </p:txBody>
       </p:sp>
+      <p:pic>
+        <p:nvPicPr>
+          <p:cNvPr id="5" name="그림 4">
+            <a:extLst>
+              <a:ext uri="{FF2B5EF4-FFF2-40B4-BE49-F238E27FC236}">
+                <a16:creationId xmlns:a16="http://schemas.microsoft.com/office/drawing/2014/main" id="{A65484A2-EE83-58E9-ACE2-08B1CA9CACE1}"/>
+              </a:ext>
+            </a:extLst>
+          </p:cNvPr>
+          <p:cNvPicPr>
+            <a:picLocks noChangeAspect="1"/>
+          </p:cNvPicPr>
+          <p:nvPr/>
+        </p:nvPicPr>
+        <p:blipFill>
+          <a:blip r:embed="rId2"/>
+          <a:stretch>
+            <a:fillRect/>
+          </a:stretch>
+        </p:blipFill>
+        <p:spPr>
+          <a:xfrm>
+            <a:off x="1285748" y="3097339"/>
+            <a:ext cx="3509237" cy="2425648"/>
+          </a:xfrm>
+          <a:prstGeom prst="rect">
+            <a:avLst/>
+          </a:prstGeom>
+        </p:spPr>
+      </p:pic>
+      <p:pic>
+        <p:nvPicPr>
+          <p:cNvPr id="13" name="그림 12">
+            <a:extLst>
+              <a:ext uri="{FF2B5EF4-FFF2-40B4-BE49-F238E27FC236}">
+                <a16:creationId xmlns:a16="http://schemas.microsoft.com/office/drawing/2014/main" id="{62B712C9-F0CE-5D8B-2995-EA87164ADC82}"/>
+              </a:ext>
+            </a:extLst>
+          </p:cNvPr>
+          <p:cNvPicPr>
+            <a:picLocks noChangeAspect="1"/>
+          </p:cNvPicPr>
+          <p:nvPr/>
+        </p:nvPicPr>
+        <p:blipFill>
+          <a:blip r:embed="rId3"/>
+          <a:stretch>
+            <a:fillRect/>
+          </a:stretch>
+        </p:blipFill>
+        <p:spPr>
+          <a:xfrm>
+            <a:off x="5037219" y="2487212"/>
+            <a:ext cx="6952687" cy="4005663"/>
+          </a:xfrm>
+          <a:prstGeom prst="rect">
+            <a:avLst/>
+          </a:prstGeom>
+        </p:spPr>
+      </p:pic>
     </p:spTree>
     <p:extLst>
       <p:ext uri="{BB962C8B-B14F-4D97-AF65-F5344CB8AC3E}">
-        <p14:creationId xmlns:p14="http://schemas.microsoft.com/office/powerpoint/2010/main" val="2852683463"/>
+        <p14:creationId xmlns:p14="http://schemas.microsoft.com/office/powerpoint/2010/main" val="177289044"/>
       </p:ext>
     </p:extLst>
   </p:cSld>
@@ -4558,38 +4720,30 @@
               <a:buNone/>
             </a:pPr>
             <a:r>
+              <a:rPr lang="en-US" altLang="ko-KR" sz="2500" b="1" dirty="0">
+                <a:solidFill>
+                  <a:schemeClr val="bg1"/>
+                </a:solidFill>
+              </a:rPr>
+              <a:t>Point to Point </a:t>
+            </a:r>
+            <a:r>
               <a:rPr lang="ko-KR" altLang="en-US" sz="2500" b="1" dirty="0">
                 <a:solidFill>
                   <a:schemeClr val="bg1"/>
                 </a:solidFill>
               </a:rPr>
-              <a:t>전부 구역이 다른 네트워크 이므로</a:t>
-            </a:r>
-            <a:r>
-              <a:rPr lang="en-US" altLang="ko-KR" sz="2500" b="1" dirty="0">
-                <a:solidFill>
-                  <a:schemeClr val="bg1"/>
-                </a:solidFill>
-              </a:rPr>
-              <a:t> </a:t>
-            </a:r>
-            <a:r>
-              <a:rPr lang="ko-KR" altLang="en-US" sz="2500" b="1" dirty="0">
-                <a:solidFill>
-                  <a:schemeClr val="bg1"/>
-                </a:solidFill>
-              </a:rPr>
-              <a:t>라우팅 </a:t>
+              <a:t>명령어</a:t>
             </a:r>
           </a:p>
         </p:txBody>
       </p:sp>
       <p:pic>
         <p:nvPicPr>
-          <p:cNvPr id="6" name="그림 5">
-            <a:extLst>
-              <a:ext uri="{FF2B5EF4-FFF2-40B4-BE49-F238E27FC236}">
-                <a16:creationId xmlns:a16="http://schemas.microsoft.com/office/drawing/2014/main" id="{B39BE243-DD60-4008-55D8-E808FA50FE75}"/>
+          <p:cNvPr id="5" name="그림 4">
+            <a:extLst>
+              <a:ext uri="{FF2B5EF4-FFF2-40B4-BE49-F238E27FC236}">
+                <a16:creationId xmlns:a16="http://schemas.microsoft.com/office/drawing/2014/main" id="{F70DC7F1-1C0C-FCC3-0B22-33A4370CEA42}"/>
               </a:ext>
             </a:extLst>
           </p:cNvPr>
@@ -4606,8 +4760,8 @@
         </p:blipFill>
         <p:spPr>
           <a:xfrm>
-            <a:off x="3373039" y="2292280"/>
-            <a:ext cx="5445921" cy="4373354"/>
+            <a:off x="1491805" y="2990656"/>
+            <a:ext cx="2983831" cy="2915706"/>
           </a:xfrm>
           <a:prstGeom prst="rect">
             <a:avLst/>
@@ -4616,15 +4770,15 @@
       </p:pic>
       <p:pic>
         <p:nvPicPr>
-          <p:cNvPr id="3" name="그림 2">
-            <a:extLst>
-              <a:ext uri="{FF2B5EF4-FFF2-40B4-BE49-F238E27FC236}">
-                <a16:creationId xmlns:a16="http://schemas.microsoft.com/office/drawing/2014/main" id="{914601AF-2B04-EC99-70B6-D5B117E925E4}"/>
+          <p:cNvPr id="9" name="그림 8">
+            <a:extLst>
+              <a:ext uri="{FF2B5EF4-FFF2-40B4-BE49-F238E27FC236}">
+                <a16:creationId xmlns:a16="http://schemas.microsoft.com/office/drawing/2014/main" id="{CF341825-33D6-7210-51EF-B6883121061A}"/>
               </a:ext>
             </a:extLst>
           </p:cNvPr>
           <p:cNvPicPr>
-            <a:picLocks/>
+            <a:picLocks noChangeAspect="1"/>
           </p:cNvPicPr>
           <p:nvPr/>
         </p:nvPicPr>
@@ -4636,8 +4790,8 @@
         </p:blipFill>
         <p:spPr>
           <a:xfrm>
-            <a:off x="9288105" y="1747768"/>
-            <a:ext cx="449562" cy="416138"/>
+            <a:off x="4881419" y="2359495"/>
+            <a:ext cx="7174366" cy="4133380"/>
           </a:xfrm>
           <a:prstGeom prst="rect">
             <a:avLst/>
@@ -4647,7 +4801,7 @@
     </p:spTree>
     <p:extLst>
       <p:ext uri="{BB962C8B-B14F-4D97-AF65-F5344CB8AC3E}">
-        <p14:creationId xmlns:p14="http://schemas.microsoft.com/office/powerpoint/2010/main" val="1626457986"/>
+        <p14:creationId xmlns:p14="http://schemas.microsoft.com/office/powerpoint/2010/main" val="3432197726"/>
       </p:ext>
     </p:extLst>
   </p:cSld>
@@ -4710,7 +4864,7 @@
                   <a:schemeClr val="bg1"/>
                 </a:solidFill>
               </a:rPr>
-              <a:t>Frame Relay(Multipoint)</a:t>
+              <a:t>Frame Relay(Point to Point)</a:t>
             </a:r>
             <a:endParaRPr lang="ko-KR" altLang="en-US" b="1" dirty="0">
               <a:solidFill>
@@ -4757,17 +4911,33 @@
                   <a:schemeClr val="bg1"/>
                 </a:solidFill>
               </a:rPr>
-              <a:t>토폴로지</a:t>
+              <a:t>전부 구역이 다른 네트워크 이므로</a:t>
+            </a:r>
+            <a:r>
+              <a:rPr lang="en-US" altLang="ko-KR" sz="2500" b="1" dirty="0">
+                <a:solidFill>
+                  <a:schemeClr val="bg1"/>
+                </a:solidFill>
+              </a:rPr>
+              <a:t> </a:t>
+            </a:r>
+            <a:r>
+              <a:rPr lang="ko-KR" altLang="en-US" sz="2500" b="1" dirty="0">
+                <a:solidFill>
+                  <a:schemeClr val="bg1"/>
+                </a:solidFill>
+              </a:rPr>
+              <a:t>라우팅 </a:t>
             </a:r>
           </a:p>
         </p:txBody>
       </p:sp>
       <p:pic>
         <p:nvPicPr>
-          <p:cNvPr id="4" name="그림 3">
-            <a:extLst>
-              <a:ext uri="{FF2B5EF4-FFF2-40B4-BE49-F238E27FC236}">
-                <a16:creationId xmlns:a16="http://schemas.microsoft.com/office/drawing/2014/main" id="{C19F2D9F-A9B1-E533-9A45-8E7739DF327D}"/>
+          <p:cNvPr id="6" name="그림 5">
+            <a:extLst>
+              <a:ext uri="{FF2B5EF4-FFF2-40B4-BE49-F238E27FC236}">
+                <a16:creationId xmlns:a16="http://schemas.microsoft.com/office/drawing/2014/main" id="{B39BE243-DD60-4008-55D8-E808FA50FE75}"/>
               </a:ext>
             </a:extLst>
           </p:cNvPr>
@@ -4784,8 +4954,38 @@
         </p:blipFill>
         <p:spPr>
           <a:xfrm>
-            <a:off x="3454513" y="2391355"/>
-            <a:ext cx="5282973" cy="4101520"/>
+            <a:off x="3373039" y="2292280"/>
+            <a:ext cx="5445921" cy="4373354"/>
+          </a:xfrm>
+          <a:prstGeom prst="rect">
+            <a:avLst/>
+          </a:prstGeom>
+        </p:spPr>
+      </p:pic>
+      <p:pic>
+        <p:nvPicPr>
+          <p:cNvPr id="3" name="그림 2">
+            <a:extLst>
+              <a:ext uri="{FF2B5EF4-FFF2-40B4-BE49-F238E27FC236}">
+                <a16:creationId xmlns:a16="http://schemas.microsoft.com/office/drawing/2014/main" id="{914601AF-2B04-EC99-70B6-D5B117E925E4}"/>
+              </a:ext>
+            </a:extLst>
+          </p:cNvPr>
+          <p:cNvPicPr>
+            <a:picLocks/>
+          </p:cNvPicPr>
+          <p:nvPr/>
+        </p:nvPicPr>
+        <p:blipFill>
+          <a:blip r:embed="rId3"/>
+          <a:stretch>
+            <a:fillRect/>
+          </a:stretch>
+        </p:blipFill>
+        <p:spPr>
+          <a:xfrm>
+            <a:off x="9288105" y="1747768"/>
+            <a:ext cx="449562" cy="416138"/>
           </a:xfrm>
           <a:prstGeom prst="rect">
             <a:avLst/>
@@ -4795,7 +4995,7 @@
     </p:spTree>
     <p:extLst>
       <p:ext uri="{BB962C8B-B14F-4D97-AF65-F5344CB8AC3E}">
-        <p14:creationId xmlns:p14="http://schemas.microsoft.com/office/powerpoint/2010/main" val="3150511636"/>
+        <p14:creationId xmlns:p14="http://schemas.microsoft.com/office/powerpoint/2010/main" val="1626457986"/>
       </p:ext>
     </p:extLst>
   </p:cSld>
@@ -4886,8 +5086,8 @@
         </p:nvSpPr>
         <p:spPr>
           <a:xfrm>
-            <a:off x="2812125" y="1750633"/>
-            <a:ext cx="6567748" cy="487432"/>
+            <a:off x="2454332" y="1747768"/>
+            <a:ext cx="7283335" cy="487432"/>
           </a:xfrm>
         </p:spPr>
         <p:txBody>
@@ -4905,33 +5105,17 @@
                   <a:schemeClr val="bg1"/>
                 </a:solidFill>
               </a:rPr>
-              <a:t>전부 구역이 같은 네트워크 이므로</a:t>
-            </a:r>
-            <a:r>
-              <a:rPr lang="en-US" altLang="ko-KR" sz="2500" b="1" dirty="0">
-                <a:solidFill>
-                  <a:schemeClr val="bg1"/>
-                </a:solidFill>
-              </a:rPr>
-              <a:t> </a:t>
-            </a:r>
-            <a:r>
-              <a:rPr lang="ko-KR" altLang="en-US" sz="2500" b="1" dirty="0">
-                <a:solidFill>
-                  <a:schemeClr val="bg1"/>
-                </a:solidFill>
-              </a:rPr>
-              <a:t>라우팅 </a:t>
+              <a:t>토폴로지</a:t>
             </a:r>
           </a:p>
         </p:txBody>
       </p:sp>
       <p:pic>
         <p:nvPicPr>
-          <p:cNvPr id="4" name="그림 3">
-            <a:extLst>
-              <a:ext uri="{FF2B5EF4-FFF2-40B4-BE49-F238E27FC236}">
-                <a16:creationId xmlns:a16="http://schemas.microsoft.com/office/drawing/2014/main" id="{C19F2D9F-A9B1-E533-9A45-8E7739DF327D}"/>
+          <p:cNvPr id="3" name="그림 2">
+            <a:extLst>
+              <a:ext uri="{FF2B5EF4-FFF2-40B4-BE49-F238E27FC236}">
+                <a16:creationId xmlns:a16="http://schemas.microsoft.com/office/drawing/2014/main" id="{1BC6F31D-EBFB-904B-805A-3C706F68FDE8}"/>
               </a:ext>
             </a:extLst>
           </p:cNvPr>
@@ -4948,38 +5132,8 @@
         </p:blipFill>
         <p:spPr>
           <a:xfrm>
-            <a:off x="3454513" y="2391355"/>
-            <a:ext cx="5282973" cy="4101520"/>
-          </a:xfrm>
-          <a:prstGeom prst="rect">
-            <a:avLst/>
-          </a:prstGeom>
-        </p:spPr>
-      </p:pic>
-      <p:pic>
-        <p:nvPicPr>
-          <p:cNvPr id="3" name="그림 2">
-            <a:extLst>
-              <a:ext uri="{FF2B5EF4-FFF2-40B4-BE49-F238E27FC236}">
-                <a16:creationId xmlns:a16="http://schemas.microsoft.com/office/drawing/2014/main" id="{9B57737A-54AB-BDB2-2383-2A0FBC36CE35}"/>
-              </a:ext>
-            </a:extLst>
-          </p:cNvPr>
-          <p:cNvPicPr>
-            <a:picLocks/>
-          </p:cNvPicPr>
-          <p:nvPr/>
-        </p:nvPicPr>
-        <p:blipFill>
-          <a:blip r:embed="rId3"/>
-          <a:stretch>
-            <a:fillRect/>
-          </a:stretch>
-        </p:blipFill>
-        <p:spPr>
-          <a:xfrm>
-            <a:off x="9203730" y="1786283"/>
-            <a:ext cx="352285" cy="352285"/>
+            <a:off x="3451639" y="2292280"/>
+            <a:ext cx="5288719" cy="4195094"/>
           </a:xfrm>
           <a:prstGeom prst="rect">
             <a:avLst/>
@@ -4989,7 +5143,7 @@
     </p:spTree>
     <p:extLst>
       <p:ext uri="{BB962C8B-B14F-4D97-AF65-F5344CB8AC3E}">
-        <p14:creationId xmlns:p14="http://schemas.microsoft.com/office/powerpoint/2010/main" val="2144697842"/>
+        <p14:creationId xmlns:p14="http://schemas.microsoft.com/office/powerpoint/2010/main" val="3150511636"/>
       </p:ext>
     </p:extLst>
   </p:cSld>
@@ -5112,6 +5266,66 @@
           </a:p>
         </p:txBody>
       </p:sp>
+      <p:pic>
+        <p:nvPicPr>
+          <p:cNvPr id="4" name="그림 3">
+            <a:extLst>
+              <a:ext uri="{FF2B5EF4-FFF2-40B4-BE49-F238E27FC236}">
+                <a16:creationId xmlns:a16="http://schemas.microsoft.com/office/drawing/2014/main" id="{D29412B7-C50F-E42C-D06F-81847E7041B9}"/>
+              </a:ext>
+            </a:extLst>
+          </p:cNvPr>
+          <p:cNvPicPr>
+            <a:picLocks noChangeAspect="1"/>
+          </p:cNvPicPr>
+          <p:nvPr/>
+        </p:nvPicPr>
+        <p:blipFill>
+          <a:blip r:embed="rId2"/>
+          <a:stretch>
+            <a:fillRect/>
+          </a:stretch>
+        </p:blipFill>
+        <p:spPr>
+          <a:xfrm>
+            <a:off x="1533326" y="2980229"/>
+            <a:ext cx="3327177" cy="2483500"/>
+          </a:xfrm>
+          <a:prstGeom prst="rect">
+            <a:avLst/>
+          </a:prstGeom>
+        </p:spPr>
+      </p:pic>
+      <p:pic>
+        <p:nvPicPr>
+          <p:cNvPr id="6" name="그림 5">
+            <a:extLst>
+              <a:ext uri="{FF2B5EF4-FFF2-40B4-BE49-F238E27FC236}">
+                <a16:creationId xmlns:a16="http://schemas.microsoft.com/office/drawing/2014/main" id="{0F4A0DAB-8B5A-BFE0-94D4-8A07188FBCF3}"/>
+              </a:ext>
+            </a:extLst>
+          </p:cNvPr>
+          <p:cNvPicPr>
+            <a:picLocks noChangeAspect="1"/>
+          </p:cNvPicPr>
+          <p:nvPr/>
+        </p:nvPicPr>
+        <p:blipFill>
+          <a:blip r:embed="rId3"/>
+          <a:stretch>
+            <a:fillRect/>
+          </a:stretch>
+        </p:blipFill>
+        <p:spPr>
+          <a:xfrm>
+            <a:off x="5483833" y="2719136"/>
+            <a:ext cx="6347219" cy="2938527"/>
+          </a:xfrm>
+          <a:prstGeom prst="rect">
+            <a:avLst/>
+          </a:prstGeom>
+        </p:spPr>
+      </p:pic>
     </p:spTree>
     <p:extLst>
       <p:ext uri="{BB962C8B-B14F-4D97-AF65-F5344CB8AC3E}">
@@ -5758,6 +5972,572 @@
     <p:extLst>
       <p:ext uri="{BB962C8B-B14F-4D97-AF65-F5344CB8AC3E}">
         <p14:creationId xmlns:p14="http://schemas.microsoft.com/office/powerpoint/2010/main" val="2817250219"/>
+      </p:ext>
+    </p:extLst>
+  </p:cSld>
+  <p:clrMapOvr>
+    <a:masterClrMapping/>
+  </p:clrMapOvr>
+</p:sld>
+</file>
+
+<file path=ppt/slides/slide20.xml><?xml version="1.0" encoding="utf-8"?>
+<p:sld xmlns:a="http://schemas.openxmlformats.org/drawingml/2006/main" xmlns:r="http://schemas.openxmlformats.org/officeDocument/2006/relationships" xmlns:p="http://schemas.openxmlformats.org/presentationml/2006/main">
+  <p:cSld>
+    <p:bg>
+      <p:bgPr>
+        <a:solidFill>
+          <a:schemeClr val="tx1"/>
+        </a:solidFill>
+        <a:effectLst/>
+      </p:bgPr>
+    </p:bg>
+    <p:spTree>
+      <p:nvGrpSpPr>
+        <p:cNvPr id="1" name=""/>
+        <p:cNvGrpSpPr/>
+        <p:nvPr/>
+      </p:nvGrpSpPr>
+      <p:grpSpPr>
+        <a:xfrm>
+          <a:off x="0" y="0"/>
+          <a:ext cx="0" cy="0"/>
+          <a:chOff x="0" y="0"/>
+          <a:chExt cx="0" cy="0"/>
+        </a:xfrm>
+      </p:grpSpPr>
+      <p:sp>
+        <p:nvSpPr>
+          <p:cNvPr id="2" name="제목 1">
+            <a:extLst>
+              <a:ext uri="{FF2B5EF4-FFF2-40B4-BE49-F238E27FC236}">
+                <a16:creationId xmlns:a16="http://schemas.microsoft.com/office/drawing/2014/main" id="{9E971570-5D39-02B4-9A20-4BC81DBED6D0}"/>
+              </a:ext>
+            </a:extLst>
+          </p:cNvPr>
+          <p:cNvSpPr>
+            <a:spLocks noGrp="1"/>
+          </p:cNvSpPr>
+          <p:nvPr>
+            <p:ph type="title"/>
+          </p:nvPr>
+        </p:nvSpPr>
+        <p:spPr/>
+        <p:txBody>
+          <a:bodyPr/>
+          <a:lstStyle/>
+          <a:p>
+            <a:pPr algn="ctr"/>
+            <a:r>
+              <a:rPr lang="en-US" altLang="ko-KR" b="1" dirty="0">
+                <a:solidFill>
+                  <a:schemeClr val="bg1"/>
+                </a:solidFill>
+              </a:rPr>
+              <a:t>Frame Relay(Multipoint)</a:t>
+            </a:r>
+            <a:endParaRPr lang="ko-KR" altLang="en-US" b="1" dirty="0">
+              <a:solidFill>
+                <a:schemeClr val="bg1"/>
+              </a:solidFill>
+            </a:endParaRPr>
+          </a:p>
+        </p:txBody>
+      </p:sp>
+      <p:sp>
+        <p:nvSpPr>
+          <p:cNvPr id="10" name="내용 개체 틀 2">
+            <a:extLst>
+              <a:ext uri="{FF2B5EF4-FFF2-40B4-BE49-F238E27FC236}">
+                <a16:creationId xmlns:a16="http://schemas.microsoft.com/office/drawing/2014/main" id="{1893C547-A4F8-3717-CC53-8859595214D7}"/>
+              </a:ext>
+            </a:extLst>
+          </p:cNvPr>
+          <p:cNvSpPr>
+            <a:spLocks noGrp="1"/>
+          </p:cNvSpPr>
+          <p:nvPr>
+            <p:ph idx="1"/>
+          </p:nvPr>
+        </p:nvSpPr>
+        <p:spPr>
+          <a:xfrm>
+            <a:off x="2454332" y="1747768"/>
+            <a:ext cx="7283335" cy="487432"/>
+          </a:xfrm>
+        </p:spPr>
+        <p:txBody>
+          <a:bodyPr>
+            <a:normAutofit/>
+          </a:bodyPr>
+          <a:lstStyle/>
+          <a:p>
+            <a:pPr marL="0" indent="0" algn="ctr">
+              <a:buNone/>
+            </a:pPr>
+            <a:r>
+              <a:rPr lang="en-US" altLang="ko-KR" sz="2500" b="1" dirty="0">
+                <a:solidFill>
+                  <a:schemeClr val="bg1"/>
+                </a:solidFill>
+              </a:rPr>
+              <a:t>Multipoint </a:t>
+            </a:r>
+            <a:r>
+              <a:rPr lang="ko-KR" altLang="en-US" sz="2500" b="1" dirty="0">
+                <a:solidFill>
+                  <a:schemeClr val="bg1"/>
+                </a:solidFill>
+              </a:rPr>
+              <a:t>명령어</a:t>
+            </a:r>
+          </a:p>
+        </p:txBody>
+      </p:sp>
+      <p:pic>
+        <p:nvPicPr>
+          <p:cNvPr id="5" name="그림 4">
+            <a:extLst>
+              <a:ext uri="{FF2B5EF4-FFF2-40B4-BE49-F238E27FC236}">
+                <a16:creationId xmlns:a16="http://schemas.microsoft.com/office/drawing/2014/main" id="{0B52D1AD-EB29-F58E-302B-FED88C92E3DE}"/>
+              </a:ext>
+            </a:extLst>
+          </p:cNvPr>
+          <p:cNvPicPr>
+            <a:picLocks noChangeAspect="1"/>
+          </p:cNvPicPr>
+          <p:nvPr/>
+        </p:nvPicPr>
+        <p:blipFill>
+          <a:blip r:embed="rId2"/>
+          <a:stretch>
+            <a:fillRect/>
+          </a:stretch>
+        </p:blipFill>
+        <p:spPr>
+          <a:xfrm>
+            <a:off x="1277864" y="2883568"/>
+            <a:ext cx="3077567" cy="2885924"/>
+          </a:xfrm>
+          <a:prstGeom prst="rect">
+            <a:avLst/>
+          </a:prstGeom>
+        </p:spPr>
+      </p:pic>
+      <p:pic>
+        <p:nvPicPr>
+          <p:cNvPr id="8" name="그림 7">
+            <a:extLst>
+              <a:ext uri="{FF2B5EF4-FFF2-40B4-BE49-F238E27FC236}">
+                <a16:creationId xmlns:a16="http://schemas.microsoft.com/office/drawing/2014/main" id="{7230B2F5-7543-3963-5AA2-72B3F861527B}"/>
+              </a:ext>
+            </a:extLst>
+          </p:cNvPr>
+          <p:cNvPicPr>
+            <a:picLocks noChangeAspect="1"/>
+          </p:cNvPicPr>
+          <p:nvPr/>
+        </p:nvPicPr>
+        <p:blipFill>
+          <a:blip r:embed="rId3"/>
+          <a:stretch>
+            <a:fillRect/>
+          </a:stretch>
+        </p:blipFill>
+        <p:spPr>
+          <a:xfrm>
+            <a:off x="4677237" y="2642703"/>
+            <a:ext cx="7274131" cy="3367653"/>
+          </a:xfrm>
+          <a:prstGeom prst="rect">
+            <a:avLst/>
+          </a:prstGeom>
+        </p:spPr>
+      </p:pic>
+    </p:spTree>
+    <p:extLst>
+      <p:ext uri="{BB962C8B-B14F-4D97-AF65-F5344CB8AC3E}">
+        <p14:creationId xmlns:p14="http://schemas.microsoft.com/office/powerpoint/2010/main" val="4264308573"/>
+      </p:ext>
+    </p:extLst>
+  </p:cSld>
+  <p:clrMapOvr>
+    <a:masterClrMapping/>
+  </p:clrMapOvr>
+</p:sld>
+</file>
+
+<file path=ppt/slides/slide21.xml><?xml version="1.0" encoding="utf-8"?>
+<p:sld xmlns:a="http://schemas.openxmlformats.org/drawingml/2006/main" xmlns:r="http://schemas.openxmlformats.org/officeDocument/2006/relationships" xmlns:p="http://schemas.openxmlformats.org/presentationml/2006/main">
+  <p:cSld>
+    <p:bg>
+      <p:bgPr>
+        <a:solidFill>
+          <a:schemeClr val="tx1"/>
+        </a:solidFill>
+        <a:effectLst/>
+      </p:bgPr>
+    </p:bg>
+    <p:spTree>
+      <p:nvGrpSpPr>
+        <p:cNvPr id="1" name=""/>
+        <p:cNvGrpSpPr/>
+        <p:nvPr/>
+      </p:nvGrpSpPr>
+      <p:grpSpPr>
+        <a:xfrm>
+          <a:off x="0" y="0"/>
+          <a:ext cx="0" cy="0"/>
+          <a:chOff x="0" y="0"/>
+          <a:chExt cx="0" cy="0"/>
+        </a:xfrm>
+      </p:grpSpPr>
+      <p:sp>
+        <p:nvSpPr>
+          <p:cNvPr id="2" name="제목 1">
+            <a:extLst>
+              <a:ext uri="{FF2B5EF4-FFF2-40B4-BE49-F238E27FC236}">
+                <a16:creationId xmlns:a16="http://schemas.microsoft.com/office/drawing/2014/main" id="{9E971570-5D39-02B4-9A20-4BC81DBED6D0}"/>
+              </a:ext>
+            </a:extLst>
+          </p:cNvPr>
+          <p:cNvSpPr>
+            <a:spLocks noGrp="1"/>
+          </p:cNvSpPr>
+          <p:nvPr>
+            <p:ph type="title"/>
+          </p:nvPr>
+        </p:nvSpPr>
+        <p:spPr/>
+        <p:txBody>
+          <a:bodyPr/>
+          <a:lstStyle/>
+          <a:p>
+            <a:pPr algn="ctr"/>
+            <a:r>
+              <a:rPr lang="en-US" altLang="ko-KR" b="1" dirty="0">
+                <a:solidFill>
+                  <a:schemeClr val="bg1"/>
+                </a:solidFill>
+              </a:rPr>
+              <a:t>Frame Relay(Multipoint)</a:t>
+            </a:r>
+            <a:endParaRPr lang="ko-KR" altLang="en-US" b="1" dirty="0">
+              <a:solidFill>
+                <a:schemeClr val="bg1"/>
+              </a:solidFill>
+            </a:endParaRPr>
+          </a:p>
+        </p:txBody>
+      </p:sp>
+      <p:sp>
+        <p:nvSpPr>
+          <p:cNvPr id="10" name="내용 개체 틀 2">
+            <a:extLst>
+              <a:ext uri="{FF2B5EF4-FFF2-40B4-BE49-F238E27FC236}">
+                <a16:creationId xmlns:a16="http://schemas.microsoft.com/office/drawing/2014/main" id="{1893C547-A4F8-3717-CC53-8859595214D7}"/>
+              </a:ext>
+            </a:extLst>
+          </p:cNvPr>
+          <p:cNvSpPr>
+            <a:spLocks noGrp="1"/>
+          </p:cNvSpPr>
+          <p:nvPr>
+            <p:ph idx="1"/>
+          </p:nvPr>
+        </p:nvSpPr>
+        <p:spPr>
+          <a:xfrm>
+            <a:off x="2454332" y="1747768"/>
+            <a:ext cx="7283335" cy="487432"/>
+          </a:xfrm>
+        </p:spPr>
+        <p:txBody>
+          <a:bodyPr>
+            <a:normAutofit/>
+          </a:bodyPr>
+          <a:lstStyle/>
+          <a:p>
+            <a:pPr marL="0" indent="0" algn="ctr">
+              <a:buNone/>
+            </a:pPr>
+            <a:r>
+              <a:rPr lang="en-US" altLang="ko-KR" sz="2500" b="1" dirty="0">
+                <a:solidFill>
+                  <a:schemeClr val="bg1"/>
+                </a:solidFill>
+              </a:rPr>
+              <a:t>Multipoint </a:t>
+            </a:r>
+            <a:r>
+              <a:rPr lang="ko-KR" altLang="en-US" sz="2500" b="1" dirty="0">
+                <a:solidFill>
+                  <a:schemeClr val="bg1"/>
+                </a:solidFill>
+              </a:rPr>
+              <a:t>명령어</a:t>
+            </a:r>
+          </a:p>
+        </p:txBody>
+      </p:sp>
+      <p:pic>
+        <p:nvPicPr>
+          <p:cNvPr id="5" name="그림 4">
+            <a:extLst>
+              <a:ext uri="{FF2B5EF4-FFF2-40B4-BE49-F238E27FC236}">
+                <a16:creationId xmlns:a16="http://schemas.microsoft.com/office/drawing/2014/main" id="{13349F65-2473-6436-4CDA-86A04DD6FB61}"/>
+              </a:ext>
+            </a:extLst>
+          </p:cNvPr>
+          <p:cNvPicPr>
+            <a:picLocks noChangeAspect="1"/>
+          </p:cNvPicPr>
+          <p:nvPr/>
+        </p:nvPicPr>
+        <p:blipFill>
+          <a:blip r:embed="rId2"/>
+          <a:stretch>
+            <a:fillRect/>
+          </a:stretch>
+        </p:blipFill>
+        <p:spPr>
+          <a:xfrm>
+            <a:off x="1159405" y="2887731"/>
+            <a:ext cx="3525369" cy="2769932"/>
+          </a:xfrm>
+          <a:prstGeom prst="rect">
+            <a:avLst/>
+          </a:prstGeom>
+        </p:spPr>
+      </p:pic>
+      <p:pic>
+        <p:nvPicPr>
+          <p:cNvPr id="8" name="그림 7">
+            <a:extLst>
+              <a:ext uri="{FF2B5EF4-FFF2-40B4-BE49-F238E27FC236}">
+                <a16:creationId xmlns:a16="http://schemas.microsoft.com/office/drawing/2014/main" id="{E7BDF6C8-9CEA-CDAD-CCBE-E18AE1EC0CD8}"/>
+              </a:ext>
+            </a:extLst>
+          </p:cNvPr>
+          <p:cNvPicPr>
+            <a:picLocks noChangeAspect="1"/>
+          </p:cNvPicPr>
+          <p:nvPr/>
+        </p:nvPicPr>
+        <p:blipFill>
+          <a:blip r:embed="rId3"/>
+          <a:stretch>
+            <a:fillRect/>
+          </a:stretch>
+        </p:blipFill>
+        <p:spPr>
+          <a:xfrm>
+            <a:off x="5217535" y="2664842"/>
+            <a:ext cx="6693728" cy="3098948"/>
+          </a:xfrm>
+          <a:prstGeom prst="rect">
+            <a:avLst/>
+          </a:prstGeom>
+        </p:spPr>
+      </p:pic>
+    </p:spTree>
+    <p:extLst>
+      <p:ext uri="{BB962C8B-B14F-4D97-AF65-F5344CB8AC3E}">
+        <p14:creationId xmlns:p14="http://schemas.microsoft.com/office/powerpoint/2010/main" val="1071827264"/>
+      </p:ext>
+    </p:extLst>
+  </p:cSld>
+  <p:clrMapOvr>
+    <a:masterClrMapping/>
+  </p:clrMapOvr>
+</p:sld>
+</file>
+
+<file path=ppt/slides/slide22.xml><?xml version="1.0" encoding="utf-8"?>
+<p:sld xmlns:a="http://schemas.openxmlformats.org/drawingml/2006/main" xmlns:r="http://schemas.openxmlformats.org/officeDocument/2006/relationships" xmlns:p="http://schemas.openxmlformats.org/presentationml/2006/main">
+  <p:cSld>
+    <p:bg>
+      <p:bgPr>
+        <a:solidFill>
+          <a:schemeClr val="tx1"/>
+        </a:solidFill>
+        <a:effectLst/>
+      </p:bgPr>
+    </p:bg>
+    <p:spTree>
+      <p:nvGrpSpPr>
+        <p:cNvPr id="1" name=""/>
+        <p:cNvGrpSpPr/>
+        <p:nvPr/>
+      </p:nvGrpSpPr>
+      <p:grpSpPr>
+        <a:xfrm>
+          <a:off x="0" y="0"/>
+          <a:ext cx="0" cy="0"/>
+          <a:chOff x="0" y="0"/>
+          <a:chExt cx="0" cy="0"/>
+        </a:xfrm>
+      </p:grpSpPr>
+      <p:sp>
+        <p:nvSpPr>
+          <p:cNvPr id="2" name="제목 1">
+            <a:extLst>
+              <a:ext uri="{FF2B5EF4-FFF2-40B4-BE49-F238E27FC236}">
+                <a16:creationId xmlns:a16="http://schemas.microsoft.com/office/drawing/2014/main" id="{9E971570-5D39-02B4-9A20-4BC81DBED6D0}"/>
+              </a:ext>
+            </a:extLst>
+          </p:cNvPr>
+          <p:cNvSpPr>
+            <a:spLocks noGrp="1"/>
+          </p:cNvSpPr>
+          <p:nvPr>
+            <p:ph type="title"/>
+          </p:nvPr>
+        </p:nvSpPr>
+        <p:spPr/>
+        <p:txBody>
+          <a:bodyPr/>
+          <a:lstStyle/>
+          <a:p>
+            <a:pPr algn="ctr"/>
+            <a:r>
+              <a:rPr lang="en-US" altLang="ko-KR" b="1" dirty="0">
+                <a:solidFill>
+                  <a:schemeClr val="bg1"/>
+                </a:solidFill>
+              </a:rPr>
+              <a:t>Frame Relay(Multipoint)</a:t>
+            </a:r>
+            <a:endParaRPr lang="ko-KR" altLang="en-US" b="1" dirty="0">
+              <a:solidFill>
+                <a:schemeClr val="bg1"/>
+              </a:solidFill>
+            </a:endParaRPr>
+          </a:p>
+        </p:txBody>
+      </p:sp>
+      <p:sp>
+        <p:nvSpPr>
+          <p:cNvPr id="10" name="내용 개체 틀 2">
+            <a:extLst>
+              <a:ext uri="{FF2B5EF4-FFF2-40B4-BE49-F238E27FC236}">
+                <a16:creationId xmlns:a16="http://schemas.microsoft.com/office/drawing/2014/main" id="{1893C547-A4F8-3717-CC53-8859595214D7}"/>
+              </a:ext>
+            </a:extLst>
+          </p:cNvPr>
+          <p:cNvSpPr>
+            <a:spLocks noGrp="1"/>
+          </p:cNvSpPr>
+          <p:nvPr>
+            <p:ph idx="1"/>
+          </p:nvPr>
+        </p:nvSpPr>
+        <p:spPr>
+          <a:xfrm>
+            <a:off x="2812125" y="1750633"/>
+            <a:ext cx="6567748" cy="487432"/>
+          </a:xfrm>
+        </p:spPr>
+        <p:txBody>
+          <a:bodyPr>
+            <a:normAutofit/>
+          </a:bodyPr>
+          <a:lstStyle/>
+          <a:p>
+            <a:pPr marL="0" indent="0" algn="ctr">
+              <a:buNone/>
+            </a:pPr>
+            <a:r>
+              <a:rPr lang="ko-KR" altLang="en-US" sz="2500" b="1" dirty="0">
+                <a:solidFill>
+                  <a:schemeClr val="bg1"/>
+                </a:solidFill>
+              </a:rPr>
+              <a:t>전부 구역이 같은 네트워크 이므로</a:t>
+            </a:r>
+            <a:r>
+              <a:rPr lang="en-US" altLang="ko-KR" sz="2500" b="1" dirty="0">
+                <a:solidFill>
+                  <a:schemeClr val="bg1"/>
+                </a:solidFill>
+              </a:rPr>
+              <a:t> </a:t>
+            </a:r>
+            <a:r>
+              <a:rPr lang="ko-KR" altLang="en-US" sz="2500" b="1" dirty="0">
+                <a:solidFill>
+                  <a:schemeClr val="bg1"/>
+                </a:solidFill>
+              </a:rPr>
+              <a:t>라우팅 </a:t>
+            </a:r>
+          </a:p>
+        </p:txBody>
+      </p:sp>
+      <p:pic>
+        <p:nvPicPr>
+          <p:cNvPr id="3" name="그림 2">
+            <a:extLst>
+              <a:ext uri="{FF2B5EF4-FFF2-40B4-BE49-F238E27FC236}">
+                <a16:creationId xmlns:a16="http://schemas.microsoft.com/office/drawing/2014/main" id="{9B57737A-54AB-BDB2-2383-2A0FBC36CE35}"/>
+              </a:ext>
+            </a:extLst>
+          </p:cNvPr>
+          <p:cNvPicPr>
+            <a:picLocks/>
+          </p:cNvPicPr>
+          <p:nvPr/>
+        </p:nvPicPr>
+        <p:blipFill>
+          <a:blip r:embed="rId2"/>
+          <a:stretch>
+            <a:fillRect/>
+          </a:stretch>
+        </p:blipFill>
+        <p:spPr>
+          <a:xfrm>
+            <a:off x="9203730" y="1786283"/>
+            <a:ext cx="352285" cy="352285"/>
+          </a:xfrm>
+          <a:prstGeom prst="rect">
+            <a:avLst/>
+          </a:prstGeom>
+        </p:spPr>
+      </p:pic>
+      <p:pic>
+        <p:nvPicPr>
+          <p:cNvPr id="5" name="그림 4">
+            <a:extLst>
+              <a:ext uri="{FF2B5EF4-FFF2-40B4-BE49-F238E27FC236}">
+                <a16:creationId xmlns:a16="http://schemas.microsoft.com/office/drawing/2014/main" id="{EECAFAEC-0350-A6AB-B044-583D421CA779}"/>
+              </a:ext>
+            </a:extLst>
+          </p:cNvPr>
+          <p:cNvPicPr>
+            <a:picLocks noChangeAspect="1"/>
+          </p:cNvPicPr>
+          <p:nvPr/>
+        </p:nvPicPr>
+        <p:blipFill>
+          <a:blip r:embed="rId3"/>
+          <a:stretch>
+            <a:fillRect/>
+          </a:stretch>
+        </p:blipFill>
+        <p:spPr>
+          <a:xfrm>
+            <a:off x="3511797" y="2393217"/>
+            <a:ext cx="5168404" cy="4099658"/>
+          </a:xfrm>
+          <a:prstGeom prst="rect">
+            <a:avLst/>
+          </a:prstGeom>
+        </p:spPr>
+      </p:pic>
+    </p:spTree>
+    <p:extLst>
+      <p:ext uri="{BB962C8B-B14F-4D97-AF65-F5344CB8AC3E}">
+        <p14:creationId xmlns:p14="http://schemas.microsoft.com/office/powerpoint/2010/main" val="2144697842"/>
       </p:ext>
     </p:extLst>
   </p:cSld>
@@ -6441,7 +7221,23 @@
                   <a:schemeClr val="bg1"/>
                 </a:solidFill>
               </a:rPr>
-              <a:t>Cloud</a:t>
+              <a:t>Frame</a:t>
+            </a:r>
+            <a:r>
+              <a:rPr lang="ko-KR" altLang="en-US" b="1" dirty="0">
+                <a:solidFill>
+                  <a:schemeClr val="bg1"/>
+                </a:solidFill>
+              </a:rPr>
+              <a:t> </a:t>
+            </a:r>
+            <a:r>
+              <a:rPr lang="en-US" altLang="ko-KR" b="1" dirty="0">
+                <a:solidFill>
+                  <a:schemeClr val="bg1"/>
+                </a:solidFill>
+              </a:rPr>
+              <a:t>Relay</a:t>
             </a:r>
             <a:endParaRPr lang="ko-KR" altLang="en-US" b="1" dirty="0">
               <a:solidFill>
@@ -6451,12 +7247,42 @@
           </a:p>
         </p:txBody>
       </p:sp>
-      <p:sp>
-        <p:nvSpPr>
-          <p:cNvPr id="10" name="내용 개체 틀 2">
-            <a:extLst>
-              <a:ext uri="{FF2B5EF4-FFF2-40B4-BE49-F238E27FC236}">
-                <a16:creationId xmlns:a16="http://schemas.microsoft.com/office/drawing/2014/main" id="{1893C547-A4F8-3717-CC53-8859595214D7}"/>
+      <p:pic>
+        <p:nvPicPr>
+          <p:cNvPr id="4" name="그림 3">
+            <a:extLst>
+              <a:ext uri="{FF2B5EF4-FFF2-40B4-BE49-F238E27FC236}">
+                <a16:creationId xmlns:a16="http://schemas.microsoft.com/office/drawing/2014/main" id="{818A995F-E974-A89D-A763-B03EBEC2FA0C}"/>
+              </a:ext>
+            </a:extLst>
+          </p:cNvPr>
+          <p:cNvPicPr>
+            <a:picLocks noChangeAspect="1"/>
+          </p:cNvPicPr>
+          <p:nvPr/>
+        </p:nvPicPr>
+        <p:blipFill>
+          <a:blip r:embed="rId2"/>
+          <a:stretch>
+            <a:fillRect/>
+          </a:stretch>
+        </p:blipFill>
+        <p:spPr>
+          <a:xfrm>
+            <a:off x="1210999" y="2671180"/>
+            <a:ext cx="4216215" cy="3498719"/>
+          </a:xfrm>
+          <a:prstGeom prst="rect">
+            <a:avLst/>
+          </a:prstGeom>
+        </p:spPr>
+      </p:pic>
+      <p:sp>
+        <p:nvSpPr>
+          <p:cNvPr id="5" name="내용 개체 틀 2">
+            <a:extLst>
+              <a:ext uri="{FF2B5EF4-FFF2-40B4-BE49-F238E27FC236}">
+                <a16:creationId xmlns:a16="http://schemas.microsoft.com/office/drawing/2014/main" id="{929C4222-5D64-403A-7E2B-68E051C74F63}"/>
               </a:ext>
             </a:extLst>
           </p:cNvPr>
@@ -6469,8 +7295,8 @@
         </p:nvSpPr>
         <p:spPr>
           <a:xfrm>
-            <a:off x="2454332" y="1747768"/>
-            <a:ext cx="7283335" cy="651569"/>
+            <a:off x="1266384" y="2302318"/>
+            <a:ext cx="3784115" cy="352285"/>
           </a:xfrm>
         </p:spPr>
         <p:txBody>
@@ -6483,25 +7309,317 @@
               <a:buNone/>
             </a:pPr>
             <a:r>
-              <a:rPr lang="en-US" altLang="ko-KR" sz="1500" b="1" dirty="0" err="1">
-                <a:solidFill>
-                  <a:schemeClr val="bg1"/>
-                </a:solidFill>
-              </a:rPr>
-              <a:t>asdasdasd</a:t>
-            </a:r>
-            <a:endParaRPr lang="ko-KR" altLang="en-US" sz="1500" b="1" dirty="0">
-              <a:solidFill>
-                <a:schemeClr val="bg1"/>
-              </a:solidFill>
-            </a:endParaRPr>
-          </a:p>
-        </p:txBody>
-      </p:sp>
+              <a:rPr lang="ko-KR" altLang="en-US" sz="1500" b="1" dirty="0">
+                <a:solidFill>
+                  <a:schemeClr val="bg1"/>
+                </a:solidFill>
+              </a:rPr>
+              <a:t>프레임 릴레이를 사용하지 않은 토폴로지</a:t>
+            </a:r>
+          </a:p>
+        </p:txBody>
+      </p:sp>
+      <p:pic>
+        <p:nvPicPr>
+          <p:cNvPr id="6" name="그림 5">
+            <a:extLst>
+              <a:ext uri="{FF2B5EF4-FFF2-40B4-BE49-F238E27FC236}">
+                <a16:creationId xmlns:a16="http://schemas.microsoft.com/office/drawing/2014/main" id="{CAC45DF0-A6EA-D933-735E-65053DDA112A}"/>
+              </a:ext>
+            </a:extLst>
+          </p:cNvPr>
+          <p:cNvPicPr>
+            <a:picLocks/>
+          </p:cNvPicPr>
+          <p:nvPr/>
+        </p:nvPicPr>
+        <p:blipFill>
+          <a:blip r:embed="rId3"/>
+          <a:stretch>
+            <a:fillRect/>
+          </a:stretch>
+        </p:blipFill>
+        <p:spPr>
+          <a:xfrm>
+            <a:off x="5050499" y="2252047"/>
+            <a:ext cx="352285" cy="352285"/>
+          </a:xfrm>
+          <a:prstGeom prst="rect">
+            <a:avLst/>
+          </a:prstGeom>
+        </p:spPr>
+      </p:pic>
+      <p:sp>
+        <p:nvSpPr>
+          <p:cNvPr id="9" name="내용 개체 틀 2">
+            <a:extLst>
+              <a:ext uri="{FF2B5EF4-FFF2-40B4-BE49-F238E27FC236}">
+                <a16:creationId xmlns:a16="http://schemas.microsoft.com/office/drawing/2014/main" id="{31EB8761-9B5F-95DA-F806-6B3E0A83FBD2}"/>
+              </a:ext>
+            </a:extLst>
+          </p:cNvPr>
+          <p:cNvSpPr txBox="1">
+            <a:spLocks/>
+          </p:cNvSpPr>
+          <p:nvPr/>
+        </p:nvSpPr>
+        <p:spPr>
+          <a:xfrm>
+            <a:off x="7280091" y="2349324"/>
+            <a:ext cx="3813616" cy="352285"/>
+          </a:xfrm>
+          <a:prstGeom prst="rect">
+            <a:avLst/>
+          </a:prstGeom>
+        </p:spPr>
+        <p:txBody>
+          <a:bodyPr vert="horz" lIns="91440" tIns="45720" rIns="91440" bIns="45720" rtlCol="0">
+            <a:normAutofit/>
+          </a:bodyPr>
+          <a:lstStyle>
+            <a:lvl1pPr marL="228600" indent="-228600" algn="l" defTabSz="914400" rtl="0" eaLnBrk="1" latinLnBrk="1" hangingPunct="1">
+              <a:lnSpc>
+                <a:spcPct val="90000"/>
+              </a:lnSpc>
+              <a:spcBef>
+                <a:spcPts val="1000"/>
+              </a:spcBef>
+              <a:buFont typeface="Arial" panose="020B0604020202020204" pitchFamily="34" charset="0"/>
+              <a:buChar char="•"/>
+              <a:defRPr sz="2800" kern="1200">
+                <a:solidFill>
+                  <a:schemeClr val="tx1"/>
+                </a:solidFill>
+                <a:latin typeface="+mn-lt"/>
+                <a:ea typeface="+mn-ea"/>
+                <a:cs typeface="+mn-cs"/>
+              </a:defRPr>
+            </a:lvl1pPr>
+            <a:lvl2pPr marL="685800" indent="-228600" algn="l" defTabSz="914400" rtl="0" eaLnBrk="1" latinLnBrk="1" hangingPunct="1">
+              <a:lnSpc>
+                <a:spcPct val="90000"/>
+              </a:lnSpc>
+              <a:spcBef>
+                <a:spcPts val="500"/>
+              </a:spcBef>
+              <a:buFont typeface="Arial" panose="020B0604020202020204" pitchFamily="34" charset="0"/>
+              <a:buChar char="•"/>
+              <a:defRPr sz="2400" kern="1200">
+                <a:solidFill>
+                  <a:schemeClr val="tx1"/>
+                </a:solidFill>
+                <a:latin typeface="+mn-lt"/>
+                <a:ea typeface="+mn-ea"/>
+                <a:cs typeface="+mn-cs"/>
+              </a:defRPr>
+            </a:lvl2pPr>
+            <a:lvl3pPr marL="1143000" indent="-228600" algn="l" defTabSz="914400" rtl="0" eaLnBrk="1" latinLnBrk="1" hangingPunct="1">
+              <a:lnSpc>
+                <a:spcPct val="90000"/>
+              </a:lnSpc>
+              <a:spcBef>
+                <a:spcPts val="500"/>
+              </a:spcBef>
+              <a:buFont typeface="Arial" panose="020B0604020202020204" pitchFamily="34" charset="0"/>
+              <a:buChar char="•"/>
+              <a:defRPr sz="2000" kern="1200">
+                <a:solidFill>
+                  <a:schemeClr val="tx1"/>
+                </a:solidFill>
+                <a:latin typeface="+mn-lt"/>
+                <a:ea typeface="+mn-ea"/>
+                <a:cs typeface="+mn-cs"/>
+              </a:defRPr>
+            </a:lvl3pPr>
+            <a:lvl4pPr marL="1600200" indent="-228600" algn="l" defTabSz="914400" rtl="0" eaLnBrk="1" latinLnBrk="1" hangingPunct="1">
+              <a:lnSpc>
+                <a:spcPct val="90000"/>
+              </a:lnSpc>
+              <a:spcBef>
+                <a:spcPts val="500"/>
+              </a:spcBef>
+              <a:buFont typeface="Arial" panose="020B0604020202020204" pitchFamily="34" charset="0"/>
+              <a:buChar char="•"/>
+              <a:defRPr sz="1800" kern="1200">
+                <a:solidFill>
+                  <a:schemeClr val="tx1"/>
+                </a:solidFill>
+                <a:latin typeface="+mn-lt"/>
+                <a:ea typeface="+mn-ea"/>
+                <a:cs typeface="+mn-cs"/>
+              </a:defRPr>
+            </a:lvl4pPr>
+            <a:lvl5pPr marL="2057400" indent="-228600" algn="l" defTabSz="914400" rtl="0" eaLnBrk="1" latinLnBrk="1" hangingPunct="1">
+              <a:lnSpc>
+                <a:spcPct val="90000"/>
+              </a:lnSpc>
+              <a:spcBef>
+                <a:spcPts val="500"/>
+              </a:spcBef>
+              <a:buFont typeface="Arial" panose="020B0604020202020204" pitchFamily="34" charset="0"/>
+              <a:buChar char="•"/>
+              <a:defRPr sz="1800" kern="1200">
+                <a:solidFill>
+                  <a:schemeClr val="tx1"/>
+                </a:solidFill>
+                <a:latin typeface="+mn-lt"/>
+                <a:ea typeface="+mn-ea"/>
+                <a:cs typeface="+mn-cs"/>
+              </a:defRPr>
+            </a:lvl5pPr>
+            <a:lvl6pPr marL="2514600" indent="-228600" algn="l" defTabSz="914400" rtl="0" eaLnBrk="1" latinLnBrk="1" hangingPunct="1">
+              <a:lnSpc>
+                <a:spcPct val="90000"/>
+              </a:lnSpc>
+              <a:spcBef>
+                <a:spcPts val="500"/>
+              </a:spcBef>
+              <a:buFont typeface="Arial" panose="020B0604020202020204" pitchFamily="34" charset="0"/>
+              <a:buChar char="•"/>
+              <a:defRPr sz="1800" kern="1200">
+                <a:solidFill>
+                  <a:schemeClr val="tx1"/>
+                </a:solidFill>
+                <a:latin typeface="+mn-lt"/>
+                <a:ea typeface="+mn-ea"/>
+                <a:cs typeface="+mn-cs"/>
+              </a:defRPr>
+            </a:lvl6pPr>
+            <a:lvl7pPr marL="2971800" indent="-228600" algn="l" defTabSz="914400" rtl="0" eaLnBrk="1" latinLnBrk="1" hangingPunct="1">
+              <a:lnSpc>
+                <a:spcPct val="90000"/>
+              </a:lnSpc>
+              <a:spcBef>
+                <a:spcPts val="500"/>
+              </a:spcBef>
+              <a:buFont typeface="Arial" panose="020B0604020202020204" pitchFamily="34" charset="0"/>
+              <a:buChar char="•"/>
+              <a:defRPr sz="1800" kern="1200">
+                <a:solidFill>
+                  <a:schemeClr val="tx1"/>
+                </a:solidFill>
+                <a:latin typeface="+mn-lt"/>
+                <a:ea typeface="+mn-ea"/>
+                <a:cs typeface="+mn-cs"/>
+              </a:defRPr>
+            </a:lvl7pPr>
+            <a:lvl8pPr marL="3429000" indent="-228600" algn="l" defTabSz="914400" rtl="0" eaLnBrk="1" latinLnBrk="1" hangingPunct="1">
+              <a:lnSpc>
+                <a:spcPct val="90000"/>
+              </a:lnSpc>
+              <a:spcBef>
+                <a:spcPts val="500"/>
+              </a:spcBef>
+              <a:buFont typeface="Arial" panose="020B0604020202020204" pitchFamily="34" charset="0"/>
+              <a:buChar char="•"/>
+              <a:defRPr sz="1800" kern="1200">
+                <a:solidFill>
+                  <a:schemeClr val="tx1"/>
+                </a:solidFill>
+                <a:latin typeface="+mn-lt"/>
+                <a:ea typeface="+mn-ea"/>
+                <a:cs typeface="+mn-cs"/>
+              </a:defRPr>
+            </a:lvl8pPr>
+            <a:lvl9pPr marL="3886200" indent="-228600" algn="l" defTabSz="914400" rtl="0" eaLnBrk="1" latinLnBrk="1" hangingPunct="1">
+              <a:lnSpc>
+                <a:spcPct val="90000"/>
+              </a:lnSpc>
+              <a:spcBef>
+                <a:spcPts val="500"/>
+              </a:spcBef>
+              <a:buFont typeface="Arial" panose="020B0604020202020204" pitchFamily="34" charset="0"/>
+              <a:buChar char="•"/>
+              <a:defRPr sz="1800" kern="1200">
+                <a:solidFill>
+                  <a:schemeClr val="tx1"/>
+                </a:solidFill>
+                <a:latin typeface="+mn-lt"/>
+                <a:ea typeface="+mn-ea"/>
+                <a:cs typeface="+mn-cs"/>
+              </a:defRPr>
+            </a:lvl9pPr>
+          </a:lstStyle>
+          <a:p>
+            <a:pPr marL="0" indent="0" algn="ctr">
+              <a:buFont typeface="Arial" panose="020B0604020202020204" pitchFamily="34" charset="0"/>
+              <a:buNone/>
+            </a:pPr>
+            <a:r>
+              <a:rPr lang="ko-KR" altLang="en-US" sz="1500" b="1" dirty="0">
+                <a:solidFill>
+                  <a:schemeClr val="bg1"/>
+                </a:solidFill>
+              </a:rPr>
+              <a:t>프레임 릴레이를 사용한 토폴로지</a:t>
+            </a:r>
+          </a:p>
+        </p:txBody>
+      </p:sp>
+      <p:pic>
+        <p:nvPicPr>
+          <p:cNvPr id="10" name="그림 9">
+            <a:extLst>
+              <a:ext uri="{FF2B5EF4-FFF2-40B4-BE49-F238E27FC236}">
+                <a16:creationId xmlns:a16="http://schemas.microsoft.com/office/drawing/2014/main" id="{8F1AD9C3-552F-BA0F-6F2D-F606B8ADD9C7}"/>
+              </a:ext>
+            </a:extLst>
+          </p:cNvPr>
+          <p:cNvPicPr>
+            <a:picLocks/>
+          </p:cNvPicPr>
+          <p:nvPr/>
+        </p:nvPicPr>
+        <p:blipFill>
+          <a:blip r:embed="rId4"/>
+          <a:stretch>
+            <a:fillRect/>
+          </a:stretch>
+        </p:blipFill>
+        <p:spPr>
+          <a:xfrm>
+            <a:off x="10700835" y="2255042"/>
+            <a:ext cx="449562" cy="416138"/>
+          </a:xfrm>
+          <a:prstGeom prst="rect">
+            <a:avLst/>
+          </a:prstGeom>
+        </p:spPr>
+      </p:pic>
+      <p:pic>
+        <p:nvPicPr>
+          <p:cNvPr id="12" name="그림 11">
+            <a:extLst>
+              <a:ext uri="{FF2B5EF4-FFF2-40B4-BE49-F238E27FC236}">
+                <a16:creationId xmlns:a16="http://schemas.microsoft.com/office/drawing/2014/main" id="{0F1534F5-F103-EBE6-362A-3103B0218D2E}"/>
+              </a:ext>
+            </a:extLst>
+          </p:cNvPr>
+          <p:cNvPicPr>
+            <a:picLocks noChangeAspect="1"/>
+          </p:cNvPicPr>
+          <p:nvPr/>
+        </p:nvPicPr>
+        <p:blipFill>
+          <a:blip r:embed="rId5"/>
+          <a:stretch>
+            <a:fillRect/>
+          </a:stretch>
+        </p:blipFill>
+        <p:spPr>
+          <a:xfrm>
+            <a:off x="7149730" y="2691706"/>
+            <a:ext cx="4343947" cy="3457665"/>
+          </a:xfrm>
+          <a:prstGeom prst="rect">
+            <a:avLst/>
+          </a:prstGeom>
+        </p:spPr>
+      </p:pic>
     </p:spTree>
     <p:extLst>
       <p:ext uri="{BB962C8B-B14F-4D97-AF65-F5344CB8AC3E}">
-        <p14:creationId xmlns:p14="http://schemas.microsoft.com/office/powerpoint/2010/main" val="624264399"/>
+        <p14:creationId xmlns:p14="http://schemas.microsoft.com/office/powerpoint/2010/main" val="3505135637"/>
       </p:ext>
     </p:extLst>
   </p:cSld>
@@ -6564,7 +7682,7 @@
                   <a:schemeClr val="bg1"/>
                 </a:solidFill>
               </a:rPr>
-              <a:t>Frame</a:t>
+              <a:t>Virtual Circuit(</a:t>
             </a:r>
             <a:r>
               <a:rPr lang="ko-KR" altLang="en-US" b="1" dirty="0">
@@ -6572,7 +7690,7 @@
                   <a:schemeClr val="bg1"/>
                 </a:solidFill>
               </a:rPr>
-              <a:t> </a:t>
+              <a:t>가상 회선</a:t>
             </a:r>
             <a:r>
               <a:rPr lang="en-US" altLang="ko-KR" b="1" dirty="0">
@@ -6580,7 +7698,7 @@
                   <a:schemeClr val="bg1"/>
                 </a:solidFill>
               </a:rPr>
-              <a:t>Relay</a:t>
+              <a:t>)</a:t>
             </a:r>
             <a:endParaRPr lang="ko-KR" altLang="en-US" b="1" dirty="0">
               <a:solidFill>
@@ -6590,379 +7708,147 @@
           </a:p>
         </p:txBody>
       </p:sp>
+      <p:sp>
+        <p:nvSpPr>
+          <p:cNvPr id="10" name="내용 개체 틀 2">
+            <a:extLst>
+              <a:ext uri="{FF2B5EF4-FFF2-40B4-BE49-F238E27FC236}">
+                <a16:creationId xmlns:a16="http://schemas.microsoft.com/office/drawing/2014/main" id="{1893C547-A4F8-3717-CC53-8859595214D7}"/>
+              </a:ext>
+            </a:extLst>
+          </p:cNvPr>
+          <p:cNvSpPr>
+            <a:spLocks noGrp="1"/>
+          </p:cNvSpPr>
+          <p:nvPr>
+            <p:ph idx="1"/>
+          </p:nvPr>
+        </p:nvSpPr>
+        <p:spPr>
+          <a:xfrm>
+            <a:off x="320842" y="1747768"/>
+            <a:ext cx="11502190" cy="1091685"/>
+          </a:xfrm>
+        </p:spPr>
+        <p:txBody>
+          <a:bodyPr>
+            <a:normAutofit/>
+          </a:bodyPr>
+          <a:lstStyle/>
+          <a:p>
+            <a:pPr algn="ctr"/>
+            <a:r>
+              <a:rPr lang="en-US" altLang="ko-KR" sz="1700" b="1" i="0" dirty="0">
+                <a:solidFill>
+                  <a:srgbClr val="ECECEC"/>
+                </a:solidFill>
+                <a:effectLst/>
+                <a:latin typeface="-apple-system"/>
+              </a:rPr>
+              <a:t>Permanent Virtual Circuit(PVC)  : </a:t>
+            </a:r>
+            <a:r>
+              <a:rPr lang="ko-KR" altLang="en-US" sz="1700" b="1" i="0" dirty="0">
+                <a:solidFill>
+                  <a:srgbClr val="ECECEC"/>
+                </a:solidFill>
+                <a:effectLst/>
+                <a:latin typeface="-apple-system"/>
+              </a:rPr>
+              <a:t>통신경로에서 미리 지정된 상대방과 통신경로가 고정적으로 성립되어 있는 방식</a:t>
+            </a:r>
+            <a:endParaRPr lang="en-US" altLang="ko-KR" sz="1700" b="1" dirty="0">
+              <a:solidFill>
+                <a:srgbClr val="ECECEC"/>
+              </a:solidFill>
+              <a:latin typeface="-apple-system"/>
+            </a:endParaRPr>
+          </a:p>
+          <a:p>
+            <a:pPr algn="ctr"/>
+            <a:r>
+              <a:rPr lang="en-US" altLang="ko-KR" sz="1700" b="1" dirty="0">
+                <a:solidFill>
+                  <a:schemeClr val="bg1"/>
+                </a:solidFill>
+              </a:rPr>
+              <a:t>Switched Virtual Circuit(SVC) : </a:t>
+            </a:r>
+            <a:r>
+              <a:rPr lang="ko-KR" altLang="en-US" sz="1700" b="1" dirty="0">
+                <a:solidFill>
+                  <a:schemeClr val="bg1"/>
+                </a:solidFill>
+              </a:rPr>
+              <a:t>두개의 서로 다른 네트워크를 임시 연결하기 위해 사용하는 방식</a:t>
+            </a:r>
+            <a:r>
+              <a:rPr lang="en-US" altLang="ko-KR" sz="1700" b="1" dirty="0">
+                <a:solidFill>
+                  <a:schemeClr val="bg1"/>
+                </a:solidFill>
+              </a:rPr>
+              <a:t> </a:t>
+            </a:r>
+            <a:endParaRPr lang="ko-KR" altLang="en-US" sz="1700" b="1" dirty="0">
+              <a:solidFill>
+                <a:schemeClr val="bg1"/>
+              </a:solidFill>
+            </a:endParaRPr>
+          </a:p>
+        </p:txBody>
+      </p:sp>
       <p:pic>
         <p:nvPicPr>
-          <p:cNvPr id="4" name="그림 3">
-            <a:extLst>
-              <a:ext uri="{FF2B5EF4-FFF2-40B4-BE49-F238E27FC236}">
-                <a16:creationId xmlns:a16="http://schemas.microsoft.com/office/drawing/2014/main" id="{818A995F-E974-A89D-A763-B03EBEC2FA0C}"/>
+          <p:cNvPr id="1026" name="Picture 2" descr="프레임 릴레이 구성 및 문제 해결을 위한 포괄적인 설명서 - Cisco">
+            <a:extLst>
+              <a:ext uri="{FF2B5EF4-FFF2-40B4-BE49-F238E27FC236}">
+                <a16:creationId xmlns:a16="http://schemas.microsoft.com/office/drawing/2014/main" id="{79D19949-441E-B113-00FE-D73852CF6A9A}"/>
               </a:ext>
             </a:extLst>
           </p:cNvPr>
           <p:cNvPicPr>
-            <a:picLocks noChangeAspect="1"/>
+            <a:picLocks noChangeAspect="1" noChangeArrowheads="1"/>
           </p:cNvPicPr>
           <p:nvPr/>
         </p:nvPicPr>
         <p:blipFill>
-          <a:blip r:embed="rId2"/>
+          <a:blip r:embed="rId2">
+            <a:extLst>
+              <a:ext uri="{28A0092B-C50C-407E-A947-70E740481C1C}">
+                <a14:useLocalDpi xmlns:a14="http://schemas.microsoft.com/office/drawing/2010/main" val="0"/>
+              </a:ext>
+            </a:extLst>
+          </a:blip>
+          <a:srcRect/>
           <a:stretch>
             <a:fillRect/>
           </a:stretch>
         </p:blipFill>
-        <p:spPr>
-          <a:xfrm>
-            <a:off x="1210999" y="2671180"/>
-            <a:ext cx="4216215" cy="3498719"/>
+        <p:spPr bwMode="auto">
+          <a:xfrm>
+            <a:off x="1853518" y="2839453"/>
+            <a:ext cx="8484963" cy="3400926"/>
           </a:xfrm>
           <a:prstGeom prst="rect">
             <a:avLst/>
           </a:prstGeom>
-        </p:spPr>
-      </p:pic>
-      <p:sp>
-        <p:nvSpPr>
-          <p:cNvPr id="5" name="내용 개체 틀 2">
-            <a:extLst>
-              <a:ext uri="{FF2B5EF4-FFF2-40B4-BE49-F238E27FC236}">
-                <a16:creationId xmlns:a16="http://schemas.microsoft.com/office/drawing/2014/main" id="{929C4222-5D64-403A-7E2B-68E051C74F63}"/>
-              </a:ext>
-            </a:extLst>
-          </p:cNvPr>
-          <p:cNvSpPr>
-            <a:spLocks noGrp="1"/>
-          </p:cNvSpPr>
-          <p:nvPr>
-            <p:ph idx="1"/>
-          </p:nvPr>
-        </p:nvSpPr>
-        <p:spPr>
-          <a:xfrm>
-            <a:off x="1266384" y="2302318"/>
-            <a:ext cx="3784115" cy="352285"/>
-          </a:xfrm>
-        </p:spPr>
-        <p:txBody>
-          <a:bodyPr>
-            <a:normAutofit/>
-          </a:bodyPr>
-          <a:lstStyle/>
-          <a:p>
-            <a:pPr marL="0" indent="0" algn="ctr">
-              <a:buNone/>
-            </a:pPr>
-            <a:r>
-              <a:rPr lang="ko-KR" altLang="en-US" sz="1500" b="1" dirty="0">
-                <a:solidFill>
-                  <a:schemeClr val="bg1"/>
-                </a:solidFill>
-              </a:rPr>
-              <a:t>프레임 릴레이를 사용하지 않은 토폴로지</a:t>
-            </a:r>
-          </a:p>
-        </p:txBody>
-      </p:sp>
-      <p:pic>
-        <p:nvPicPr>
-          <p:cNvPr id="6" name="그림 5">
-            <a:extLst>
-              <a:ext uri="{FF2B5EF4-FFF2-40B4-BE49-F238E27FC236}">
-                <a16:creationId xmlns:a16="http://schemas.microsoft.com/office/drawing/2014/main" id="{CAC45DF0-A6EA-D933-735E-65053DDA112A}"/>
-              </a:ext>
-            </a:extLst>
-          </p:cNvPr>
-          <p:cNvPicPr>
-            <a:picLocks/>
-          </p:cNvPicPr>
-          <p:nvPr/>
-        </p:nvPicPr>
-        <p:blipFill>
-          <a:blip r:embed="rId3"/>
-          <a:stretch>
-            <a:fillRect/>
-          </a:stretch>
-        </p:blipFill>
-        <p:spPr>
-          <a:xfrm>
-            <a:off x="5050499" y="2252047"/>
-            <a:ext cx="352285" cy="352285"/>
-          </a:xfrm>
-          <a:prstGeom prst="rect">
-            <a:avLst/>
-          </a:prstGeom>
-        </p:spPr>
-      </p:pic>
-      <p:sp>
-        <p:nvSpPr>
-          <p:cNvPr id="9" name="내용 개체 틀 2">
-            <a:extLst>
-              <a:ext uri="{FF2B5EF4-FFF2-40B4-BE49-F238E27FC236}">
-                <a16:creationId xmlns:a16="http://schemas.microsoft.com/office/drawing/2014/main" id="{31EB8761-9B5F-95DA-F806-6B3E0A83FBD2}"/>
-              </a:ext>
-            </a:extLst>
-          </p:cNvPr>
-          <p:cNvSpPr txBox="1">
-            <a:spLocks/>
-          </p:cNvSpPr>
-          <p:nvPr/>
-        </p:nvSpPr>
-        <p:spPr>
-          <a:xfrm>
-            <a:off x="7280091" y="2349324"/>
-            <a:ext cx="3813616" cy="352285"/>
-          </a:xfrm>
-          <a:prstGeom prst="rect">
-            <a:avLst/>
-          </a:prstGeom>
-        </p:spPr>
-        <p:txBody>
-          <a:bodyPr vert="horz" lIns="91440" tIns="45720" rIns="91440" bIns="45720" rtlCol="0">
-            <a:normAutofit/>
-          </a:bodyPr>
-          <a:lstStyle>
-            <a:lvl1pPr marL="228600" indent="-228600" algn="l" defTabSz="914400" rtl="0" eaLnBrk="1" latinLnBrk="1" hangingPunct="1">
-              <a:lnSpc>
-                <a:spcPct val="90000"/>
-              </a:lnSpc>
-              <a:spcBef>
-                <a:spcPts val="1000"/>
-              </a:spcBef>
-              <a:buFont typeface="Arial" panose="020B0604020202020204" pitchFamily="34" charset="0"/>
-              <a:buChar char="•"/>
-              <a:defRPr sz="2800" kern="1200">
-                <a:solidFill>
-                  <a:schemeClr val="tx1"/>
-                </a:solidFill>
-                <a:latin typeface="+mn-lt"/>
-                <a:ea typeface="+mn-ea"/>
-                <a:cs typeface="+mn-cs"/>
-              </a:defRPr>
-            </a:lvl1pPr>
-            <a:lvl2pPr marL="685800" indent="-228600" algn="l" defTabSz="914400" rtl="0" eaLnBrk="1" latinLnBrk="1" hangingPunct="1">
-              <a:lnSpc>
-                <a:spcPct val="90000"/>
-              </a:lnSpc>
-              <a:spcBef>
-                <a:spcPts val="500"/>
-              </a:spcBef>
-              <a:buFont typeface="Arial" panose="020B0604020202020204" pitchFamily="34" charset="0"/>
-              <a:buChar char="•"/>
-              <a:defRPr sz="2400" kern="1200">
-                <a:solidFill>
-                  <a:schemeClr val="tx1"/>
-                </a:solidFill>
-                <a:latin typeface="+mn-lt"/>
-                <a:ea typeface="+mn-ea"/>
-                <a:cs typeface="+mn-cs"/>
-              </a:defRPr>
-            </a:lvl2pPr>
-            <a:lvl3pPr marL="1143000" indent="-228600" algn="l" defTabSz="914400" rtl="0" eaLnBrk="1" latinLnBrk="1" hangingPunct="1">
-              <a:lnSpc>
-                <a:spcPct val="90000"/>
-              </a:lnSpc>
-              <a:spcBef>
-                <a:spcPts val="500"/>
-              </a:spcBef>
-              <a:buFont typeface="Arial" panose="020B0604020202020204" pitchFamily="34" charset="0"/>
-              <a:buChar char="•"/>
-              <a:defRPr sz="2000" kern="1200">
-                <a:solidFill>
-                  <a:schemeClr val="tx1"/>
-                </a:solidFill>
-                <a:latin typeface="+mn-lt"/>
-                <a:ea typeface="+mn-ea"/>
-                <a:cs typeface="+mn-cs"/>
-              </a:defRPr>
-            </a:lvl3pPr>
-            <a:lvl4pPr marL="1600200" indent="-228600" algn="l" defTabSz="914400" rtl="0" eaLnBrk="1" latinLnBrk="1" hangingPunct="1">
-              <a:lnSpc>
-                <a:spcPct val="90000"/>
-              </a:lnSpc>
-              <a:spcBef>
-                <a:spcPts val="500"/>
-              </a:spcBef>
-              <a:buFont typeface="Arial" panose="020B0604020202020204" pitchFamily="34" charset="0"/>
-              <a:buChar char="•"/>
-              <a:defRPr sz="1800" kern="1200">
-                <a:solidFill>
-                  <a:schemeClr val="tx1"/>
-                </a:solidFill>
-                <a:latin typeface="+mn-lt"/>
-                <a:ea typeface="+mn-ea"/>
-                <a:cs typeface="+mn-cs"/>
-              </a:defRPr>
-            </a:lvl4pPr>
-            <a:lvl5pPr marL="2057400" indent="-228600" algn="l" defTabSz="914400" rtl="0" eaLnBrk="1" latinLnBrk="1" hangingPunct="1">
-              <a:lnSpc>
-                <a:spcPct val="90000"/>
-              </a:lnSpc>
-              <a:spcBef>
-                <a:spcPts val="500"/>
-              </a:spcBef>
-              <a:buFont typeface="Arial" panose="020B0604020202020204" pitchFamily="34" charset="0"/>
-              <a:buChar char="•"/>
-              <a:defRPr sz="1800" kern="1200">
-                <a:solidFill>
-                  <a:schemeClr val="tx1"/>
-                </a:solidFill>
-                <a:latin typeface="+mn-lt"/>
-                <a:ea typeface="+mn-ea"/>
-                <a:cs typeface="+mn-cs"/>
-              </a:defRPr>
-            </a:lvl5pPr>
-            <a:lvl6pPr marL="2514600" indent="-228600" algn="l" defTabSz="914400" rtl="0" eaLnBrk="1" latinLnBrk="1" hangingPunct="1">
-              <a:lnSpc>
-                <a:spcPct val="90000"/>
-              </a:lnSpc>
-              <a:spcBef>
-                <a:spcPts val="500"/>
-              </a:spcBef>
-              <a:buFont typeface="Arial" panose="020B0604020202020204" pitchFamily="34" charset="0"/>
-              <a:buChar char="•"/>
-              <a:defRPr sz="1800" kern="1200">
-                <a:solidFill>
-                  <a:schemeClr val="tx1"/>
-                </a:solidFill>
-                <a:latin typeface="+mn-lt"/>
-                <a:ea typeface="+mn-ea"/>
-                <a:cs typeface="+mn-cs"/>
-              </a:defRPr>
-            </a:lvl6pPr>
-            <a:lvl7pPr marL="2971800" indent="-228600" algn="l" defTabSz="914400" rtl="0" eaLnBrk="1" latinLnBrk="1" hangingPunct="1">
-              <a:lnSpc>
-                <a:spcPct val="90000"/>
-              </a:lnSpc>
-              <a:spcBef>
-                <a:spcPts val="500"/>
-              </a:spcBef>
-              <a:buFont typeface="Arial" panose="020B0604020202020204" pitchFamily="34" charset="0"/>
-              <a:buChar char="•"/>
-              <a:defRPr sz="1800" kern="1200">
-                <a:solidFill>
-                  <a:schemeClr val="tx1"/>
-                </a:solidFill>
-                <a:latin typeface="+mn-lt"/>
-                <a:ea typeface="+mn-ea"/>
-                <a:cs typeface="+mn-cs"/>
-              </a:defRPr>
-            </a:lvl7pPr>
-            <a:lvl8pPr marL="3429000" indent="-228600" algn="l" defTabSz="914400" rtl="0" eaLnBrk="1" latinLnBrk="1" hangingPunct="1">
-              <a:lnSpc>
-                <a:spcPct val="90000"/>
-              </a:lnSpc>
-              <a:spcBef>
-                <a:spcPts val="500"/>
-              </a:spcBef>
-              <a:buFont typeface="Arial" panose="020B0604020202020204" pitchFamily="34" charset="0"/>
-              <a:buChar char="•"/>
-              <a:defRPr sz="1800" kern="1200">
-                <a:solidFill>
-                  <a:schemeClr val="tx1"/>
-                </a:solidFill>
-                <a:latin typeface="+mn-lt"/>
-                <a:ea typeface="+mn-ea"/>
-                <a:cs typeface="+mn-cs"/>
-              </a:defRPr>
-            </a:lvl8pPr>
-            <a:lvl9pPr marL="3886200" indent="-228600" algn="l" defTabSz="914400" rtl="0" eaLnBrk="1" latinLnBrk="1" hangingPunct="1">
-              <a:lnSpc>
-                <a:spcPct val="90000"/>
-              </a:lnSpc>
-              <a:spcBef>
-                <a:spcPts val="500"/>
-              </a:spcBef>
-              <a:buFont typeface="Arial" panose="020B0604020202020204" pitchFamily="34" charset="0"/>
-              <a:buChar char="•"/>
-              <a:defRPr sz="1800" kern="1200">
-                <a:solidFill>
-                  <a:schemeClr val="tx1"/>
-                </a:solidFill>
-                <a:latin typeface="+mn-lt"/>
-                <a:ea typeface="+mn-ea"/>
-                <a:cs typeface="+mn-cs"/>
-              </a:defRPr>
-            </a:lvl9pPr>
-          </a:lstStyle>
-          <a:p>
-            <a:pPr marL="0" indent="0" algn="ctr">
-              <a:buFont typeface="Arial" panose="020B0604020202020204" pitchFamily="34" charset="0"/>
-              <a:buNone/>
-            </a:pPr>
-            <a:r>
-              <a:rPr lang="ko-KR" altLang="en-US" sz="1500" b="1" dirty="0">
-                <a:solidFill>
-                  <a:schemeClr val="bg1"/>
-                </a:solidFill>
-              </a:rPr>
-              <a:t>프레임 릴레이를 사용한 토폴로지</a:t>
-            </a:r>
-          </a:p>
-        </p:txBody>
-      </p:sp>
-      <p:pic>
-        <p:nvPicPr>
-          <p:cNvPr id="10" name="그림 9">
-            <a:extLst>
-              <a:ext uri="{FF2B5EF4-FFF2-40B4-BE49-F238E27FC236}">
-                <a16:creationId xmlns:a16="http://schemas.microsoft.com/office/drawing/2014/main" id="{8F1AD9C3-552F-BA0F-6F2D-F606B8ADD9C7}"/>
-              </a:ext>
-            </a:extLst>
-          </p:cNvPr>
-          <p:cNvPicPr>
-            <a:picLocks/>
-          </p:cNvPicPr>
-          <p:nvPr/>
-        </p:nvPicPr>
-        <p:blipFill>
-          <a:blip r:embed="rId4"/>
-          <a:stretch>
-            <a:fillRect/>
-          </a:stretch>
-        </p:blipFill>
-        <p:spPr>
-          <a:xfrm>
-            <a:off x="10700835" y="2255042"/>
-            <a:ext cx="449562" cy="416138"/>
-          </a:xfrm>
-          <a:prstGeom prst="rect">
-            <a:avLst/>
-          </a:prstGeom>
-        </p:spPr>
-      </p:pic>
-      <p:pic>
-        <p:nvPicPr>
-          <p:cNvPr id="12" name="그림 11">
-            <a:extLst>
-              <a:ext uri="{FF2B5EF4-FFF2-40B4-BE49-F238E27FC236}">
-                <a16:creationId xmlns:a16="http://schemas.microsoft.com/office/drawing/2014/main" id="{0F1534F5-F103-EBE6-362A-3103B0218D2E}"/>
-              </a:ext>
-            </a:extLst>
-          </p:cNvPr>
-          <p:cNvPicPr>
-            <a:picLocks noChangeAspect="1"/>
-          </p:cNvPicPr>
-          <p:nvPr/>
-        </p:nvPicPr>
-        <p:blipFill>
-          <a:blip r:embed="rId5"/>
-          <a:stretch>
-            <a:fillRect/>
-          </a:stretch>
-        </p:blipFill>
-        <p:spPr>
-          <a:xfrm>
-            <a:off x="7149730" y="2691706"/>
-            <a:ext cx="4343947" cy="3457665"/>
-          </a:xfrm>
-          <a:prstGeom prst="rect">
-            <a:avLst/>
-          </a:prstGeom>
+          <a:noFill/>
+          <a:extLst>
+            <a:ext uri="{909E8E84-426E-40DD-AFC4-6F175D3DCCD1}">
+              <a14:hiddenFill xmlns:a14="http://schemas.microsoft.com/office/drawing/2010/main">
+                <a:solidFill>
+                  <a:srgbClr val="FFFFFF"/>
+                </a:solidFill>
+              </a14:hiddenFill>
+            </a:ext>
+          </a:extLst>
         </p:spPr>
       </p:pic>
     </p:spTree>
     <p:extLst>
       <p:ext uri="{BB962C8B-B14F-4D97-AF65-F5344CB8AC3E}">
-        <p14:creationId xmlns:p14="http://schemas.microsoft.com/office/powerpoint/2010/main" val="3505135637"/>
+        <p14:creationId xmlns:p14="http://schemas.microsoft.com/office/powerpoint/2010/main" val="2911782249"/>
       </p:ext>
     </p:extLst>
   </p:cSld>
@@ -7025,23 +7911,7 @@
                   <a:schemeClr val="bg1"/>
                 </a:solidFill>
               </a:rPr>
-              <a:t>Virtual Circuit(</a:t>
-            </a:r>
-            <a:r>
-              <a:rPr lang="ko-KR" altLang="en-US" b="1" dirty="0">
-                <a:solidFill>
-                  <a:schemeClr val="bg1"/>
-                </a:solidFill>
-              </a:rPr>
-              <a:t>가상 회선</a:t>
-            </a:r>
-            <a:r>
-              <a:rPr lang="en-US" altLang="ko-KR" b="1" dirty="0">
-                <a:solidFill>
-                  <a:schemeClr val="bg1"/>
-                </a:solidFill>
-              </a:rPr>
-              <a:t>)</a:t>
+              <a:t>DLCI(Data Link Connection Identifier)</a:t>
             </a:r>
             <a:endParaRPr lang="ko-KR" altLang="en-US" b="1" dirty="0">
               <a:solidFill>
@@ -7069,8 +7939,8 @@
         </p:nvSpPr>
         <p:spPr>
           <a:xfrm>
-            <a:off x="2454332" y="1747768"/>
-            <a:ext cx="7283335" cy="1909832"/>
+            <a:off x="1162997" y="1690688"/>
+            <a:ext cx="9866005" cy="522190"/>
           </a:xfrm>
         </p:spPr>
         <p:txBody>
@@ -7083,12 +7953,68 @@
               <a:buNone/>
             </a:pPr>
             <a:r>
+              <a:rPr lang="ko-KR" altLang="en-US" sz="2000" b="1" dirty="0">
+                <a:solidFill>
+                  <a:schemeClr val="bg1"/>
+                </a:solidFill>
+              </a:rPr>
+              <a:t>프레임 릴레이 내부에서 </a:t>
+            </a:r>
+            <a:r>
               <a:rPr lang="en-US" altLang="ko-KR" sz="2000" b="1" dirty="0">
                 <a:solidFill>
                   <a:schemeClr val="bg1"/>
                 </a:solidFill>
               </a:rPr>
-              <a:t>- </a:t>
+              <a:t>VC</a:t>
+            </a:r>
+            <a:r>
+              <a:rPr lang="ko-KR" altLang="en-US" sz="2000" b="1" dirty="0">
+                <a:solidFill>
+                  <a:schemeClr val="bg1"/>
+                </a:solidFill>
+              </a:rPr>
+              <a:t>들을 구분해주기 위해서 </a:t>
+            </a:r>
+            <a:r>
+              <a:rPr lang="en-US" altLang="ko-KR" sz="2000" b="1" dirty="0">
+                <a:solidFill>
+                  <a:schemeClr val="bg1"/>
+                </a:solidFill>
+              </a:rPr>
+              <a:t>DLCI</a:t>
+            </a:r>
+            <a:r>
+              <a:rPr lang="ko-KR" altLang="en-US" sz="2000" b="1" dirty="0">
+                <a:solidFill>
+                  <a:schemeClr val="bg1"/>
+                </a:solidFill>
+              </a:rPr>
+              <a:t>를 부여하여 구분 시켜준다</a:t>
+            </a:r>
+            <a:r>
+              <a:rPr lang="en-US" altLang="ko-KR" sz="2000" b="1" dirty="0">
+                <a:solidFill>
+                  <a:schemeClr val="bg1"/>
+                </a:solidFill>
+              </a:rPr>
+              <a:t> </a:t>
+            </a:r>
+            <a:r>
+              <a:rPr lang="ko-KR" altLang="en-US" sz="2000" b="1" dirty="0">
+                <a:solidFill>
+                  <a:schemeClr val="bg1"/>
+                </a:solidFill>
+              </a:rPr>
+              <a:t> </a:t>
+            </a:r>
+            <a:r>
+              <a:rPr lang="en-US" altLang="ko-KR" sz="2000" b="1" dirty="0">
+                <a:solidFill>
+                  <a:schemeClr val="bg1"/>
+                </a:solidFill>
+              </a:rPr>
+              <a:t> </a:t>
             </a:r>
             <a:endParaRPr lang="ko-KR" altLang="en-US" sz="2000" b="1" dirty="0">
               <a:solidFill>
@@ -7098,10 +8024,57 @@
           </a:p>
         </p:txBody>
       </p:sp>
+      <p:pic>
+        <p:nvPicPr>
+          <p:cNvPr id="2052" name="Picture 4" descr="프레임 릴레이 구성 및 문제 해결을 위한 포괄적인 설명서 - Cisco">
+            <a:extLst>
+              <a:ext uri="{FF2B5EF4-FFF2-40B4-BE49-F238E27FC236}">
+                <a16:creationId xmlns:a16="http://schemas.microsoft.com/office/drawing/2014/main" id="{6CB8E588-D3CA-FCC9-EEDF-FD8F4440B4CC}"/>
+              </a:ext>
+            </a:extLst>
+          </p:cNvPr>
+          <p:cNvPicPr>
+            <a:picLocks noChangeAspect="1" noChangeArrowheads="1"/>
+          </p:cNvPicPr>
+          <p:nvPr/>
+        </p:nvPicPr>
+        <p:blipFill>
+          <a:blip r:embed="rId2">
+            <a:extLst>
+              <a:ext uri="{28A0092B-C50C-407E-A947-70E740481C1C}">
+                <a14:useLocalDpi xmlns:a14="http://schemas.microsoft.com/office/drawing/2010/main" val="0"/>
+              </a:ext>
+            </a:extLst>
+          </a:blip>
+          <a:srcRect/>
+          <a:stretch>
+            <a:fillRect/>
+          </a:stretch>
+        </p:blipFill>
+        <p:spPr bwMode="auto">
+          <a:xfrm>
+            <a:off x="1782177" y="2556711"/>
+            <a:ext cx="8627645" cy="3451058"/>
+          </a:xfrm>
+          <a:prstGeom prst="rect">
+            <a:avLst/>
+          </a:prstGeom>
+          <a:noFill/>
+          <a:extLst>
+            <a:ext uri="{909E8E84-426E-40DD-AFC4-6F175D3DCCD1}">
+              <a14:hiddenFill xmlns:a14="http://schemas.microsoft.com/office/drawing/2010/main">
+                <a:solidFill>
+                  <a:srgbClr val="FFFFFF"/>
+                </a:solidFill>
+              </a14:hiddenFill>
+            </a:ext>
+          </a:extLst>
+        </p:spPr>
+      </p:pic>
     </p:spTree>
     <p:extLst>
       <p:ext uri="{BB962C8B-B14F-4D97-AF65-F5344CB8AC3E}">
-        <p14:creationId xmlns:p14="http://schemas.microsoft.com/office/powerpoint/2010/main" val="2911782249"/>
+        <p14:creationId xmlns:p14="http://schemas.microsoft.com/office/powerpoint/2010/main" val="918231317"/>
       </p:ext>
     </p:extLst>
   </p:cSld>
@@ -7164,7 +8137,7 @@
                   <a:schemeClr val="bg1"/>
                 </a:solidFill>
               </a:rPr>
-              <a:t>DLCI(Data Link Connection Identifier)</a:t>
+              <a:t>Frame Relay</a:t>
             </a:r>
             <a:endParaRPr lang="ko-KR" altLang="en-US" b="1" dirty="0">
               <a:solidFill>
@@ -7192,8 +8165,8 @@
         </p:nvSpPr>
         <p:spPr>
           <a:xfrm>
-            <a:off x="2454332" y="1747768"/>
-            <a:ext cx="7283335" cy="1909832"/>
+            <a:off x="2545772" y="1446972"/>
+            <a:ext cx="7283335" cy="487432"/>
           </a:xfrm>
         </p:spPr>
         <p:txBody>
@@ -7206,14 +8179,22 @@
               <a:buNone/>
             </a:pPr>
             <a:r>
-              <a:rPr lang="en-US" altLang="ko-KR" sz="2000" b="1" dirty="0">
-                <a:solidFill>
-                  <a:schemeClr val="bg1"/>
-                </a:solidFill>
-              </a:rPr>
-              <a:t>- </a:t>
-            </a:r>
-            <a:endParaRPr lang="ko-KR" altLang="en-US" sz="2000" b="1" dirty="0">
+              <a:rPr lang="ko-KR" altLang="en-US" sz="2500" b="1" dirty="0">
+                <a:solidFill>
+                  <a:schemeClr val="bg1"/>
+                </a:solidFill>
+              </a:rPr>
+              <a:t>세팅하기 전 사고하기</a:t>
+            </a:r>
+            <a:r>
+              <a:rPr lang="en-US" altLang="ko-KR" sz="2500" b="1" dirty="0">
+                <a:solidFill>
+                  <a:schemeClr val="bg1"/>
+                </a:solidFill>
+              </a:rPr>
+              <a:t>…</a:t>
+            </a:r>
+            <a:endParaRPr lang="ko-KR" altLang="en-US" sz="2500" b="1" dirty="0">
               <a:solidFill>
                 <a:schemeClr val="bg1"/>
               </a:solidFill>
@@ -7221,10 +8202,40 @@
           </a:p>
         </p:txBody>
       </p:sp>
+      <p:pic>
+        <p:nvPicPr>
+          <p:cNvPr id="5" name="그림 4">
+            <a:extLst>
+              <a:ext uri="{FF2B5EF4-FFF2-40B4-BE49-F238E27FC236}">
+                <a16:creationId xmlns:a16="http://schemas.microsoft.com/office/drawing/2014/main" id="{C50DF0E7-C513-C386-3C87-F1D23482C351}"/>
+              </a:ext>
+            </a:extLst>
+          </p:cNvPr>
+          <p:cNvPicPr>
+            <a:picLocks noChangeAspect="1"/>
+          </p:cNvPicPr>
+          <p:nvPr/>
+        </p:nvPicPr>
+        <p:blipFill>
+          <a:blip r:embed="rId2"/>
+          <a:stretch>
+            <a:fillRect/>
+          </a:stretch>
+        </p:blipFill>
+        <p:spPr>
+          <a:xfrm>
+            <a:off x="3376741" y="2153005"/>
+            <a:ext cx="5438517" cy="4268115"/>
+          </a:xfrm>
+          <a:prstGeom prst="rect">
+            <a:avLst/>
+          </a:prstGeom>
+        </p:spPr>
+      </p:pic>
     </p:spTree>
     <p:extLst>
       <p:ext uri="{BB962C8B-B14F-4D97-AF65-F5344CB8AC3E}">
-        <p14:creationId xmlns:p14="http://schemas.microsoft.com/office/powerpoint/2010/main" val="918231317"/>
+        <p14:creationId xmlns:p14="http://schemas.microsoft.com/office/powerpoint/2010/main" val="3791219932"/>
       </p:ext>
     </p:extLst>
   </p:cSld>
@@ -7315,7 +8326,7 @@
         </p:nvSpPr>
         <p:spPr>
           <a:xfrm>
-            <a:off x="2545772" y="1446972"/>
+            <a:off x="2454332" y="1747768"/>
             <a:ext cx="7283335" cy="487432"/>
           </a:xfrm>
         </p:spPr>
@@ -7334,7 +8345,7 @@
                   <a:schemeClr val="bg1"/>
                 </a:solidFill>
               </a:rPr>
-              <a:t>세팅하기 전 사고하기</a:t>
+              <a:t>세팅</a:t>
             </a:r>
             <a:r>
               <a:rPr lang="en-US" altLang="ko-KR" sz="2500" b="1" dirty="0">
@@ -7342,7 +8353,7 @@
                   <a:schemeClr val="bg1"/>
                 </a:solidFill>
               </a:rPr>
-              <a:t>…</a:t>
+              <a:t>(Serial 0)</a:t>
             </a:r>
             <a:endParaRPr lang="ko-KR" altLang="en-US" sz="2500" b="1" dirty="0">
               <a:solidFill>
@@ -7354,10 +8365,10 @@
       </p:sp>
       <p:pic>
         <p:nvPicPr>
-          <p:cNvPr id="5" name="그림 4">
-            <a:extLst>
-              <a:ext uri="{FF2B5EF4-FFF2-40B4-BE49-F238E27FC236}">
-                <a16:creationId xmlns:a16="http://schemas.microsoft.com/office/drawing/2014/main" id="{C50DF0E7-C513-C386-3C87-F1D23482C351}"/>
+          <p:cNvPr id="4" name="그림 3">
+            <a:extLst>
+              <a:ext uri="{FF2B5EF4-FFF2-40B4-BE49-F238E27FC236}">
+                <a16:creationId xmlns:a16="http://schemas.microsoft.com/office/drawing/2014/main" id="{13CAA629-258A-EDEF-7A1D-A45B67B209C0}"/>
               </a:ext>
             </a:extLst>
           </p:cNvPr>
@@ -7374,18 +8385,70 @@
         </p:blipFill>
         <p:spPr>
           <a:xfrm>
-            <a:off x="3376741" y="2153005"/>
-            <a:ext cx="5438517" cy="4268115"/>
+            <a:off x="2454332" y="2489947"/>
+            <a:ext cx="7780741" cy="3223236"/>
           </a:xfrm>
           <a:prstGeom prst="rect">
             <a:avLst/>
           </a:prstGeom>
         </p:spPr>
       </p:pic>
+      <p:sp>
+        <p:nvSpPr>
+          <p:cNvPr id="5" name="직사각형 4">
+            <a:extLst>
+              <a:ext uri="{FF2B5EF4-FFF2-40B4-BE49-F238E27FC236}">
+                <a16:creationId xmlns:a16="http://schemas.microsoft.com/office/drawing/2014/main" id="{FF6CA154-F32A-1788-EB98-9AB7DAD088DA}"/>
+              </a:ext>
+            </a:extLst>
+          </p:cNvPr>
+          <p:cNvSpPr/>
+          <p:nvPr/>
+        </p:nvSpPr>
+        <p:spPr>
+          <a:xfrm>
+            <a:off x="2454332" y="3992880"/>
+            <a:ext cx="7780741" cy="345440"/>
+          </a:xfrm>
+          <a:prstGeom prst="rect">
+            <a:avLst/>
+          </a:prstGeom>
+          <a:noFill/>
+          <a:ln w="57150">
+            <a:solidFill>
+              <a:srgbClr val="C00000"/>
+            </a:solidFill>
+          </a:ln>
+        </p:spPr>
+        <p:style>
+          <a:lnRef idx="2">
+            <a:schemeClr val="accent1">
+              <a:shade val="15000"/>
+            </a:schemeClr>
+          </a:lnRef>
+          <a:fillRef idx="1">
+            <a:schemeClr val="accent1"/>
+          </a:fillRef>
+          <a:effectRef idx="0">
+            <a:schemeClr val="accent1"/>
+          </a:effectRef>
+          <a:fontRef idx="minor">
+            <a:schemeClr val="lt1"/>
+          </a:fontRef>
+        </p:style>
+        <p:txBody>
+          <a:bodyPr rtlCol="0" anchor="ctr"/>
+          <a:lstStyle/>
+          <a:p>
+            <a:pPr algn="ctr"/>
+            <a:endParaRPr lang="ko-KR" altLang="en-US"/>
+          </a:p>
+        </p:txBody>
+      </p:sp>
     </p:spTree>
     <p:extLst>
       <p:ext uri="{BB962C8B-B14F-4D97-AF65-F5344CB8AC3E}">
-        <p14:creationId xmlns:p14="http://schemas.microsoft.com/office/powerpoint/2010/main" val="3791219932"/>
+        <p14:creationId xmlns:p14="http://schemas.microsoft.com/office/powerpoint/2010/main" val="3873492995"/>
       </p:ext>
     </p:extLst>
   </p:cSld>
@@ -7503,7 +8566,7 @@
                   <a:schemeClr val="bg1"/>
                 </a:solidFill>
               </a:rPr>
-              <a:t>(Serial 0)</a:t>
+              <a:t>(Serial 1)</a:t>
             </a:r>
             <a:endParaRPr lang="ko-KR" altLang="en-US" sz="2500" b="1" dirty="0">
               <a:solidFill>
@@ -7515,10 +8578,10 @@
       </p:sp>
       <p:pic>
         <p:nvPicPr>
-          <p:cNvPr id="4" name="그림 3">
-            <a:extLst>
-              <a:ext uri="{FF2B5EF4-FFF2-40B4-BE49-F238E27FC236}">
-                <a16:creationId xmlns:a16="http://schemas.microsoft.com/office/drawing/2014/main" id="{13CAA629-258A-EDEF-7A1D-A45B67B209C0}"/>
+          <p:cNvPr id="6" name="그림 5">
+            <a:extLst>
+              <a:ext uri="{FF2B5EF4-FFF2-40B4-BE49-F238E27FC236}">
+                <a16:creationId xmlns:a16="http://schemas.microsoft.com/office/drawing/2014/main" id="{9EEA0717-DA91-C06E-6693-E047D812A6FE}"/>
               </a:ext>
             </a:extLst>
           </p:cNvPr>
@@ -7535,8 +8598,8 @@
         </p:blipFill>
         <p:spPr>
           <a:xfrm>
-            <a:off x="2454332" y="2489947"/>
-            <a:ext cx="7780741" cy="3223236"/>
+            <a:off x="2352817" y="2383244"/>
+            <a:ext cx="8233903" cy="3219271"/>
           </a:xfrm>
           <a:prstGeom prst="rect">
             <a:avLst/>
@@ -7598,7 +8661,7 @@
     </p:spTree>
     <p:extLst>
       <p:ext uri="{BB962C8B-B14F-4D97-AF65-F5344CB8AC3E}">
-        <p14:creationId xmlns:p14="http://schemas.microsoft.com/office/powerpoint/2010/main" val="3873492995"/>
+        <p14:creationId xmlns:p14="http://schemas.microsoft.com/office/powerpoint/2010/main" val="3061773381"/>
       </p:ext>
     </p:extLst>
   </p:cSld>
